--- a/Презентация.pptx
+++ b/Презентация.pptx
@@ -20,6 +20,8 @@
     <p:sldId id="264" r:id="rId14"/>
     <p:sldId id="266" r:id="rId15"/>
     <p:sldId id="265" r:id="rId16"/>
+    <p:sldId id="274" r:id="rId17"/>
+    <p:sldId id="275" r:id="rId18"/>
   </p:sldIdLst>
   <p:sldSz cx="12192000" cy="6858000"/>
   <p:notesSz cx="6858000" cy="9144000"/>
@@ -437,15 +439,7 @@
                       <a:srgbClr val="FF0000"/>
                     </a:solidFill>
                   </a:rPr>
-                  <a:t> </a:t>
-                </a:r>
-                <a:r>
-                  <a:rPr lang="ru-RU" baseline="0" dirty="0" err="1" smtClean="0">
-                    <a:solidFill>
-                      <a:srgbClr val="FF0000"/>
-                    </a:solidFill>
-                  </a:rPr>
-                  <a:t>пдход</a:t>
+                  <a:t> подход</a:t>
                 </a:r>
                 <a:endParaRPr lang="ru-RU" dirty="0">
                   <a:solidFill>
@@ -1405,7 +1399,7 @@
           <a:p>
             <a:fld id="{8BE03B8D-FA35-4A53-ABED-ADB8AEF84D40}" type="datetimeFigureOut">
               <a:rPr lang="ru-RU" smtClean="0"/>
-              <a:t>17.03.2020</a:t>
+              <a:t>23.03.2020</a:t>
             </a:fld>
             <a:endParaRPr lang="ru-RU"/>
           </a:p>
@@ -1575,7 +1569,7 @@
           <a:p>
             <a:fld id="{8BE03B8D-FA35-4A53-ABED-ADB8AEF84D40}" type="datetimeFigureOut">
               <a:rPr lang="ru-RU" smtClean="0"/>
-              <a:t>17.03.2020</a:t>
+              <a:t>23.03.2020</a:t>
             </a:fld>
             <a:endParaRPr lang="ru-RU"/>
           </a:p>
@@ -1755,7 +1749,7 @@
           <a:p>
             <a:fld id="{8BE03B8D-FA35-4A53-ABED-ADB8AEF84D40}" type="datetimeFigureOut">
               <a:rPr lang="ru-RU" smtClean="0"/>
-              <a:t>17.03.2020</a:t>
+              <a:t>23.03.2020</a:t>
             </a:fld>
             <a:endParaRPr lang="ru-RU"/>
           </a:p>
@@ -1925,7 +1919,7 @@
           <a:p>
             <a:fld id="{8BE03B8D-FA35-4A53-ABED-ADB8AEF84D40}" type="datetimeFigureOut">
               <a:rPr lang="ru-RU" smtClean="0"/>
-              <a:t>17.03.2020</a:t>
+              <a:t>23.03.2020</a:t>
             </a:fld>
             <a:endParaRPr lang="ru-RU"/>
           </a:p>
@@ -2171,7 +2165,7 @@
           <a:p>
             <a:fld id="{8BE03B8D-FA35-4A53-ABED-ADB8AEF84D40}" type="datetimeFigureOut">
               <a:rPr lang="ru-RU" smtClean="0"/>
-              <a:t>17.03.2020</a:t>
+              <a:t>23.03.2020</a:t>
             </a:fld>
             <a:endParaRPr lang="ru-RU"/>
           </a:p>
@@ -2403,7 +2397,7 @@
           <a:p>
             <a:fld id="{8BE03B8D-FA35-4A53-ABED-ADB8AEF84D40}" type="datetimeFigureOut">
               <a:rPr lang="ru-RU" smtClean="0"/>
-              <a:t>17.03.2020</a:t>
+              <a:t>23.03.2020</a:t>
             </a:fld>
             <a:endParaRPr lang="ru-RU"/>
           </a:p>
@@ -2770,7 +2764,7 @@
           <a:p>
             <a:fld id="{8BE03B8D-FA35-4A53-ABED-ADB8AEF84D40}" type="datetimeFigureOut">
               <a:rPr lang="ru-RU" smtClean="0"/>
-              <a:t>17.03.2020</a:t>
+              <a:t>23.03.2020</a:t>
             </a:fld>
             <a:endParaRPr lang="ru-RU"/>
           </a:p>
@@ -2888,7 +2882,7 @@
           <a:p>
             <a:fld id="{8BE03B8D-FA35-4A53-ABED-ADB8AEF84D40}" type="datetimeFigureOut">
               <a:rPr lang="ru-RU" smtClean="0"/>
-              <a:t>17.03.2020</a:t>
+              <a:t>23.03.2020</a:t>
             </a:fld>
             <a:endParaRPr lang="ru-RU"/>
           </a:p>
@@ -2983,7 +2977,7 @@
           <a:p>
             <a:fld id="{8BE03B8D-FA35-4A53-ABED-ADB8AEF84D40}" type="datetimeFigureOut">
               <a:rPr lang="ru-RU" smtClean="0"/>
-              <a:t>17.03.2020</a:t>
+              <a:t>23.03.2020</a:t>
             </a:fld>
             <a:endParaRPr lang="ru-RU"/>
           </a:p>
@@ -3260,7 +3254,7 @@
           <a:p>
             <a:fld id="{8BE03B8D-FA35-4A53-ABED-ADB8AEF84D40}" type="datetimeFigureOut">
               <a:rPr lang="ru-RU" smtClean="0"/>
-              <a:t>17.03.2020</a:t>
+              <a:t>23.03.2020</a:t>
             </a:fld>
             <a:endParaRPr lang="ru-RU"/>
           </a:p>
@@ -3513,7 +3507,7 @@
           <a:p>
             <a:fld id="{8BE03B8D-FA35-4A53-ABED-ADB8AEF84D40}" type="datetimeFigureOut">
               <a:rPr lang="ru-RU" smtClean="0"/>
-              <a:t>17.03.2020</a:t>
+              <a:t>23.03.2020</a:t>
             </a:fld>
             <a:endParaRPr lang="ru-RU"/>
           </a:p>
@@ -3726,7 +3720,7 @@
           <a:p>
             <a:fld id="{8BE03B8D-FA35-4A53-ABED-ADB8AEF84D40}" type="datetimeFigureOut">
               <a:rPr lang="ru-RU" smtClean="0"/>
-              <a:t>17.03.2020</a:t>
+              <a:t>23.03.2020</a:t>
             </a:fld>
             <a:endParaRPr lang="ru-RU"/>
           </a:p>
@@ -4745,7 +4739,25 @@
                 </a:solidFill>
                 <a:latin typeface="Bahnschrift Light SemiCondensed" panose="020B0502040204020203" pitchFamily="34" charset="0"/>
               </a:rPr>
-              <a:t>Микрофронтенд может иметь страницы/компоненты, которые запущены на разных хостах, зарегистрированных в корневом хосте:</a:t>
+              <a:t>Микрофронтенд может иметь </a:t>
+            </a:r>
+            <a:r>
+              <a:rPr lang="ru-RU" dirty="0">
+                <a:solidFill>
+                  <a:srgbClr val="FF0000"/>
+                </a:solidFill>
+                <a:latin typeface="Bahnschrift Light SemiCondensed" panose="020B0502040204020203" pitchFamily="34" charset="0"/>
+              </a:rPr>
+              <a:t>страницы/компоненты</a:t>
+            </a:r>
+            <a:r>
+              <a:rPr lang="ru-RU" dirty="0">
+                <a:solidFill>
+                  <a:srgbClr val="FF0000"/>
+                </a:solidFill>
+                <a:latin typeface="Bahnschrift Light SemiCondensed" panose="020B0502040204020203" pitchFamily="34" charset="0"/>
+              </a:rPr>
+              <a:t>, которые запущены на разных хостах, зарегистрированных в корневом хосте:</a:t>
             </a:r>
           </a:p>
           <a:p>
@@ -5033,8 +5045,21 @@
             <a:pPr algn="l"/>
             <a:r>
               <a:rPr lang="en-US" dirty="0"/>
-              <a:t>          'main',</a:t>
-            </a:r>
+              <a:t>          </a:t>
+            </a:r>
+            <a:r>
+              <a:rPr lang="en-US" dirty="0" smtClean="0"/>
+              <a:t>'</a:t>
+            </a:r>
+            <a:r>
+              <a:rPr lang="en-US" dirty="0" err="1" smtClean="0"/>
+              <a:t>auth</a:t>
+            </a:r>
+            <a:r>
+              <a:rPr lang="en-US" dirty="0" smtClean="0"/>
+              <a:t>',</a:t>
+            </a:r>
+            <a:endParaRPr lang="en-US" dirty="0"/>
           </a:p>
           <a:p>
             <a:pPr algn="l"/>
@@ -5297,7 +5322,7 @@
           <p:nvPr>
             <p:extLst>
               <p:ext uri="{D42A27DB-BD31-4B8C-83A1-F6EECF244321}">
-                <p14:modId xmlns:p14="http://schemas.microsoft.com/office/powerpoint/2010/main" val="2638603219"/>
+                <p14:modId xmlns:p14="http://schemas.microsoft.com/office/powerpoint/2010/main" val="469324968"/>
               </p:ext>
             </p:extLst>
           </p:nvPr>
@@ -6753,7 +6778,7 @@
         </p:blipFill>
         <p:spPr bwMode="auto">
           <a:xfrm>
-            <a:off x="1556188" y="673223"/>
+            <a:off x="1357781" y="414602"/>
             <a:ext cx="781014" cy="781014"/>
           </a:xfrm>
           <a:prstGeom prst="rect">
@@ -6781,7 +6806,7 @@
         </p:nvSpPr>
         <p:spPr>
           <a:xfrm>
-            <a:off x="2633632" y="816999"/>
+            <a:off x="2202312" y="550812"/>
             <a:ext cx="8186768" cy="508593"/>
           </a:xfrm>
           <a:prstGeom prst="rect">
@@ -6814,7 +6839,7 @@
           <a:p>
             <a:pPr algn="l"/>
             <a:r>
-              <a:rPr lang="ru-RU" sz="3200" smtClean="0">
+              <a:rPr lang="ru-RU" sz="3200" dirty="0" smtClean="0">
                 <a:solidFill>
                   <a:srgbClr val="FF0000"/>
                 </a:solidFill>
@@ -7209,22 +7234,13 @@
               <a:t> так и на современных </a:t>
             </a:r>
             <a:r>
-              <a:rPr lang="en-US" dirty="0" err="1" smtClean="0">
+              <a:rPr lang="en-US" dirty="0" smtClean="0">
                 <a:solidFill>
                   <a:srgbClr val="FF0000"/>
                 </a:solidFill>
                 <a:latin typeface="Bahnschrift Light SemiCondensed" panose="020B0502040204020203" pitchFamily="34" charset="0"/>
               </a:rPr>
-              <a:t>Javascript</a:t>
-            </a:r>
-            <a:r>
-              <a:rPr lang="en-US" dirty="0" smtClean="0">
-                <a:solidFill>
-                  <a:srgbClr val="FF0000"/>
-                </a:solidFill>
-                <a:latin typeface="Bahnschrift Light SemiCondensed" panose="020B0502040204020203" pitchFamily="34" charset="0"/>
-              </a:rPr>
-              <a:t> </a:t>
+              <a:t>JavaScript </a:t>
             </a:r>
             <a:r>
               <a:rPr lang="ru-RU" dirty="0" err="1" smtClean="0">
@@ -7305,107 +7321,6 @@
       </p:grpSpPr>
       <p:sp>
         <p:nvSpPr>
-          <p:cNvPr id="5" name="Прямоугольник 4"/>
-          <p:cNvSpPr/>
-          <p:nvPr/>
-        </p:nvSpPr>
-        <p:spPr>
-          <a:xfrm>
-            <a:off x="0" y="0"/>
-            <a:ext cx="12192000" cy="6858000"/>
-          </a:xfrm>
-          <a:prstGeom prst="rect">
-            <a:avLst/>
-          </a:prstGeom>
-          <a:solidFill>
-            <a:schemeClr val="bg1"/>
-          </a:solidFill>
-        </p:spPr>
-        <p:style>
-          <a:lnRef idx="2">
-            <a:schemeClr val="accent1">
-              <a:shade val="50000"/>
-            </a:schemeClr>
-          </a:lnRef>
-          <a:fillRef idx="1">
-            <a:schemeClr val="accent1"/>
-          </a:fillRef>
-          <a:effectRef idx="0">
-            <a:schemeClr val="accent1"/>
-          </a:effectRef>
-          <a:fontRef idx="minor">
-            <a:schemeClr val="lt1"/>
-          </a:fontRef>
-        </p:style>
-        <p:txBody>
-          <a:bodyPr rtlCol="0" anchor="ctr"/>
-          <a:lstStyle/>
-          <a:p>
-            <a:pPr marL="285750" indent="-285750" algn="ctr">
-              <a:buFont typeface="Arial" panose="020B0604020202020204" pitchFamily="34" charset="0"/>
-              <a:buChar char="•"/>
-            </a:pPr>
-            <a:endParaRPr lang="ru-RU" dirty="0"/>
-          </a:p>
-        </p:txBody>
-      </p:sp>
-      <p:sp>
-        <p:nvSpPr>
-          <p:cNvPr id="2" name="Заголовок 1"/>
-          <p:cNvSpPr>
-            <a:spLocks noGrp="1"/>
-          </p:cNvSpPr>
-          <p:nvPr>
-            <p:ph type="ctrTitle"/>
-          </p:nvPr>
-        </p:nvSpPr>
-        <p:spPr>
-          <a:xfrm>
-            <a:off x="2379942" y="2267188"/>
-            <a:ext cx="2376989" cy="508593"/>
-          </a:xfrm>
-        </p:spPr>
-        <p:txBody>
-          <a:bodyPr>
-            <a:normAutofit/>
-          </a:bodyPr>
-          <a:lstStyle/>
-          <a:p>
-            <a:pPr algn="l"/>
-            <a:r>
-              <a:rPr lang="ru-RU" sz="2400" dirty="0" smtClean="0">
-                <a:solidFill>
-                  <a:srgbClr val="FF0000"/>
-                </a:solidFill>
-                <a:effectLst>
-                  <a:outerShdw blurRad="38100" dist="38100" dir="2700000" algn="tl">
-                    <a:srgbClr val="000000">
-                      <a:alpha val="43137"/>
-                    </a:srgbClr>
-                  </a:outerShdw>
-                </a:effectLst>
-                <a:latin typeface="Bahnschrift Light SemiCondensed" panose="020B0502040204020203" pitchFamily="34" charset="0"/>
-              </a:rPr>
-              <a:t>Языки:</a:t>
-            </a:r>
-            <a:endParaRPr lang="ru-RU" sz="2400" dirty="0">
-              <a:solidFill>
-                <a:srgbClr val="FF0000"/>
-              </a:solidFill>
-              <a:effectLst>
-                <a:outerShdw blurRad="38100" dist="38100" dir="2700000" algn="tl">
-                  <a:srgbClr val="000000">
-                    <a:alpha val="43137"/>
-                  </a:srgbClr>
-                </a:outerShdw>
-              </a:effectLst>
-              <a:latin typeface="Bahnschrift Light SemiCondensed" panose="020B0502040204020203" pitchFamily="34" charset="0"/>
-            </a:endParaRPr>
-          </a:p>
-        </p:txBody>
-      </p:sp>
-      <p:sp>
-        <p:nvSpPr>
           <p:cNvPr id="8" name="Заголовок 1"/>
           <p:cNvSpPr txBox="1">
             <a:spLocks/>
@@ -7414,7 +7329,7 @@
         </p:nvSpPr>
         <p:spPr>
           <a:xfrm>
-            <a:off x="2633632" y="816999"/>
+            <a:off x="2305829" y="515075"/>
             <a:ext cx="8186768" cy="508593"/>
           </a:xfrm>
           <a:prstGeom prst="rect">
@@ -7473,217 +7388,6 @@
                   </a:srgbClr>
                 </a:outerShdw>
               </a:effectLst>
-              <a:latin typeface="Bahnschrift Light SemiCondensed" panose="020B0502040204020203" pitchFamily="34" charset="0"/>
-            </a:endParaRPr>
-          </a:p>
-        </p:txBody>
-      </p:sp>
-      <p:sp>
-        <p:nvSpPr>
-          <p:cNvPr id="10" name="Подзаголовок 2"/>
-          <p:cNvSpPr txBox="1">
-            <a:spLocks/>
-          </p:cNvSpPr>
-          <p:nvPr/>
-        </p:nvSpPr>
-        <p:spPr>
-          <a:xfrm>
-            <a:off x="2918665" y="2678553"/>
-            <a:ext cx="3217650" cy="985224"/>
-          </a:xfrm>
-          <a:prstGeom prst="rect">
-            <a:avLst/>
-          </a:prstGeom>
-        </p:spPr>
-        <p:txBody>
-          <a:bodyPr vert="horz" lIns="91440" tIns="45720" rIns="91440" bIns="45720" rtlCol="0">
-            <a:normAutofit/>
-          </a:bodyPr>
-          <a:lstStyle>
-            <a:lvl1pPr marL="0" indent="0" algn="ctr" defTabSz="914400" rtl="0" eaLnBrk="1" latinLnBrk="0" hangingPunct="1">
-              <a:lnSpc>
-                <a:spcPct val="90000"/>
-              </a:lnSpc>
-              <a:spcBef>
-                <a:spcPts val="1000"/>
-              </a:spcBef>
-              <a:buFont typeface="Arial" panose="020B0604020202020204" pitchFamily="34" charset="0"/>
-              <a:buNone/>
-              <a:defRPr sz="2400" kern="1200">
-                <a:solidFill>
-                  <a:schemeClr val="tx1"/>
-                </a:solidFill>
-                <a:latin typeface="+mn-lt"/>
-                <a:ea typeface="+mn-ea"/>
-                <a:cs typeface="+mn-cs"/>
-              </a:defRPr>
-            </a:lvl1pPr>
-            <a:lvl2pPr marL="457200" indent="0" algn="ctr" defTabSz="914400" rtl="0" eaLnBrk="1" latinLnBrk="0" hangingPunct="1">
-              <a:lnSpc>
-                <a:spcPct val="90000"/>
-              </a:lnSpc>
-              <a:spcBef>
-                <a:spcPts val="500"/>
-              </a:spcBef>
-              <a:buFont typeface="Arial" panose="020B0604020202020204" pitchFamily="34" charset="0"/>
-              <a:buNone/>
-              <a:defRPr sz="2000" kern="1200">
-                <a:solidFill>
-                  <a:schemeClr val="tx1"/>
-                </a:solidFill>
-                <a:latin typeface="+mn-lt"/>
-                <a:ea typeface="+mn-ea"/>
-                <a:cs typeface="+mn-cs"/>
-              </a:defRPr>
-            </a:lvl2pPr>
-            <a:lvl3pPr marL="914400" indent="0" algn="ctr" defTabSz="914400" rtl="0" eaLnBrk="1" latinLnBrk="0" hangingPunct="1">
-              <a:lnSpc>
-                <a:spcPct val="90000"/>
-              </a:lnSpc>
-              <a:spcBef>
-                <a:spcPts val="500"/>
-              </a:spcBef>
-              <a:buFont typeface="Arial" panose="020B0604020202020204" pitchFamily="34" charset="0"/>
-              <a:buNone/>
-              <a:defRPr sz="1800" kern="1200">
-                <a:solidFill>
-                  <a:schemeClr val="tx1"/>
-                </a:solidFill>
-                <a:latin typeface="+mn-lt"/>
-                <a:ea typeface="+mn-ea"/>
-                <a:cs typeface="+mn-cs"/>
-              </a:defRPr>
-            </a:lvl3pPr>
-            <a:lvl4pPr marL="1371600" indent="0" algn="ctr" defTabSz="914400" rtl="0" eaLnBrk="1" latinLnBrk="0" hangingPunct="1">
-              <a:lnSpc>
-                <a:spcPct val="90000"/>
-              </a:lnSpc>
-              <a:spcBef>
-                <a:spcPts val="500"/>
-              </a:spcBef>
-              <a:buFont typeface="Arial" panose="020B0604020202020204" pitchFamily="34" charset="0"/>
-              <a:buNone/>
-              <a:defRPr sz="1600" kern="1200">
-                <a:solidFill>
-                  <a:schemeClr val="tx1"/>
-                </a:solidFill>
-                <a:latin typeface="+mn-lt"/>
-                <a:ea typeface="+mn-ea"/>
-                <a:cs typeface="+mn-cs"/>
-              </a:defRPr>
-            </a:lvl4pPr>
-            <a:lvl5pPr marL="1828800" indent="0" algn="ctr" defTabSz="914400" rtl="0" eaLnBrk="1" latinLnBrk="0" hangingPunct="1">
-              <a:lnSpc>
-                <a:spcPct val="90000"/>
-              </a:lnSpc>
-              <a:spcBef>
-                <a:spcPts val="500"/>
-              </a:spcBef>
-              <a:buFont typeface="Arial" panose="020B0604020202020204" pitchFamily="34" charset="0"/>
-              <a:buNone/>
-              <a:defRPr sz="1600" kern="1200">
-                <a:solidFill>
-                  <a:schemeClr val="tx1"/>
-                </a:solidFill>
-                <a:latin typeface="+mn-lt"/>
-                <a:ea typeface="+mn-ea"/>
-                <a:cs typeface="+mn-cs"/>
-              </a:defRPr>
-            </a:lvl5pPr>
-            <a:lvl6pPr marL="2286000" indent="0" algn="ctr" defTabSz="914400" rtl="0" eaLnBrk="1" latinLnBrk="0" hangingPunct="1">
-              <a:lnSpc>
-                <a:spcPct val="90000"/>
-              </a:lnSpc>
-              <a:spcBef>
-                <a:spcPts val="500"/>
-              </a:spcBef>
-              <a:buFont typeface="Arial" panose="020B0604020202020204" pitchFamily="34" charset="0"/>
-              <a:buNone/>
-              <a:defRPr sz="1600" kern="1200">
-                <a:solidFill>
-                  <a:schemeClr val="tx1"/>
-                </a:solidFill>
-                <a:latin typeface="+mn-lt"/>
-                <a:ea typeface="+mn-ea"/>
-                <a:cs typeface="+mn-cs"/>
-              </a:defRPr>
-            </a:lvl6pPr>
-            <a:lvl7pPr marL="2743200" indent="0" algn="ctr" defTabSz="914400" rtl="0" eaLnBrk="1" latinLnBrk="0" hangingPunct="1">
-              <a:lnSpc>
-                <a:spcPct val="90000"/>
-              </a:lnSpc>
-              <a:spcBef>
-                <a:spcPts val="500"/>
-              </a:spcBef>
-              <a:buFont typeface="Arial" panose="020B0604020202020204" pitchFamily="34" charset="0"/>
-              <a:buNone/>
-              <a:defRPr sz="1600" kern="1200">
-                <a:solidFill>
-                  <a:schemeClr val="tx1"/>
-                </a:solidFill>
-                <a:latin typeface="+mn-lt"/>
-                <a:ea typeface="+mn-ea"/>
-                <a:cs typeface="+mn-cs"/>
-              </a:defRPr>
-            </a:lvl7pPr>
-            <a:lvl8pPr marL="3200400" indent="0" algn="ctr" defTabSz="914400" rtl="0" eaLnBrk="1" latinLnBrk="0" hangingPunct="1">
-              <a:lnSpc>
-                <a:spcPct val="90000"/>
-              </a:lnSpc>
-              <a:spcBef>
-                <a:spcPts val="500"/>
-              </a:spcBef>
-              <a:buFont typeface="Arial" panose="020B0604020202020204" pitchFamily="34" charset="0"/>
-              <a:buNone/>
-              <a:defRPr sz="1600" kern="1200">
-                <a:solidFill>
-                  <a:schemeClr val="tx1"/>
-                </a:solidFill>
-                <a:latin typeface="+mn-lt"/>
-                <a:ea typeface="+mn-ea"/>
-                <a:cs typeface="+mn-cs"/>
-              </a:defRPr>
-            </a:lvl8pPr>
-            <a:lvl9pPr marL="3657600" indent="0" algn="ctr" defTabSz="914400" rtl="0" eaLnBrk="1" latinLnBrk="0" hangingPunct="1">
-              <a:lnSpc>
-                <a:spcPct val="90000"/>
-              </a:lnSpc>
-              <a:spcBef>
-                <a:spcPts val="500"/>
-              </a:spcBef>
-              <a:buFont typeface="Arial" panose="020B0604020202020204" pitchFamily="34" charset="0"/>
-              <a:buNone/>
-              <a:defRPr sz="1600" kern="1200">
-                <a:solidFill>
-                  <a:schemeClr val="tx1"/>
-                </a:solidFill>
-                <a:latin typeface="+mn-lt"/>
-                <a:ea typeface="+mn-ea"/>
-                <a:cs typeface="+mn-cs"/>
-              </a:defRPr>
-            </a:lvl9pPr>
-          </a:lstStyle>
-          <a:p>
-            <a:pPr marL="342900" indent="-342900" algn="l">
-              <a:lnSpc>
-                <a:spcPct val="200000"/>
-              </a:lnSpc>
-              <a:buFont typeface="Arial" panose="020B0604020202020204" pitchFamily="34" charset="0"/>
-              <a:buChar char="•"/>
-            </a:pPr>
-            <a:r>
-              <a:rPr lang="en-US" sz="2000" dirty="0" smtClean="0">
-                <a:solidFill>
-                  <a:srgbClr val="FF0000"/>
-                </a:solidFill>
-                <a:latin typeface="Bahnschrift Light SemiCondensed" panose="020B0502040204020203" pitchFamily="34" charset="0"/>
-              </a:rPr>
-              <a:t>JavaScript, Typescript</a:t>
-            </a:r>
-            <a:endParaRPr lang="en-US" sz="2000" dirty="0">
-              <a:solidFill>
-                <a:srgbClr val="FF0000"/>
-              </a:solidFill>
               <a:latin typeface="Bahnschrift Light SemiCondensed" panose="020B0502040204020203" pitchFamily="34" charset="0"/>
             </a:endParaRPr>
           </a:p>
@@ -7712,8 +7416,8 @@
         </p:blipFill>
         <p:spPr bwMode="auto">
           <a:xfrm>
-            <a:off x="1504730" y="653096"/>
-            <a:ext cx="836397" cy="836397"/>
+            <a:off x="1513356" y="440804"/>
+            <a:ext cx="703633" cy="703633"/>
           </a:xfrm>
           <a:prstGeom prst="rect">
             <a:avLst/>
@@ -7730,861 +7434,318 @@
           </a:extLst>
         </p:spPr>
       </p:pic>
-      <p:sp>
-        <p:nvSpPr>
-          <p:cNvPr id="12" name="Заголовок 1"/>
-          <p:cNvSpPr txBox="1">
-            <a:spLocks/>
-          </p:cNvSpPr>
-          <p:nvPr/>
-        </p:nvSpPr>
-        <p:spPr>
-          <a:xfrm>
-            <a:off x="2379943" y="3962391"/>
-            <a:ext cx="1767882" cy="508593"/>
-          </a:xfrm>
-          <a:prstGeom prst="rect">
-            <a:avLst/>
-          </a:prstGeom>
-        </p:spPr>
-        <p:txBody>
-          <a:bodyPr vert="horz" lIns="91440" tIns="45720" rIns="91440" bIns="45720" rtlCol="0" anchor="b">
-            <a:normAutofit/>
-          </a:bodyPr>
-          <a:lstStyle>
-            <a:lvl1pPr algn="ctr" defTabSz="914400" rtl="0" eaLnBrk="1" latinLnBrk="0" hangingPunct="1">
-              <a:lnSpc>
-                <a:spcPct val="90000"/>
-              </a:lnSpc>
-              <a:spcBef>
-                <a:spcPct val="0"/>
-              </a:spcBef>
-              <a:buNone/>
-              <a:defRPr sz="6000" kern="1200">
-                <a:solidFill>
-                  <a:schemeClr val="tx1"/>
-                </a:solidFill>
-                <a:latin typeface="+mj-lt"/>
-                <a:ea typeface="+mj-ea"/>
-                <a:cs typeface="+mj-cs"/>
-              </a:defRPr>
-            </a:lvl1pPr>
-          </a:lstStyle>
-          <a:p>
-            <a:pPr algn="l"/>
-            <a:r>
-              <a:rPr lang="ru-RU" sz="2400" dirty="0" smtClean="0">
-                <a:solidFill>
-                  <a:srgbClr val="FF0000"/>
-                </a:solidFill>
-                <a:effectLst>
-                  <a:outerShdw blurRad="38100" dist="38100" dir="2700000" algn="tl">
-                    <a:srgbClr val="000000">
-                      <a:alpha val="43137"/>
-                    </a:srgbClr>
-                  </a:outerShdw>
-                </a:effectLst>
-                <a:latin typeface="Bahnschrift Light SemiCondensed" panose="020B0502040204020203" pitchFamily="34" charset="0"/>
-              </a:rPr>
-              <a:t>Фреймворк:</a:t>
-            </a:r>
-            <a:endParaRPr lang="ru-RU" sz="2400" dirty="0">
-              <a:solidFill>
-                <a:srgbClr val="FF0000"/>
-              </a:solidFill>
-              <a:effectLst>
-                <a:outerShdw blurRad="38100" dist="38100" dir="2700000" algn="tl">
-                  <a:srgbClr val="000000">
-                    <a:alpha val="43137"/>
-                  </a:srgbClr>
-                </a:outerShdw>
-              </a:effectLst>
-              <a:latin typeface="Bahnschrift Light SemiCondensed" panose="020B0502040204020203" pitchFamily="34" charset="0"/>
-            </a:endParaRPr>
-          </a:p>
-        </p:txBody>
-      </p:sp>
-      <p:sp>
-        <p:nvSpPr>
-          <p:cNvPr id="13" name="Подзаголовок 2"/>
-          <p:cNvSpPr txBox="1">
-            <a:spLocks/>
-          </p:cNvSpPr>
-          <p:nvPr/>
-        </p:nvSpPr>
-        <p:spPr>
-          <a:xfrm>
-            <a:off x="2977266" y="4383351"/>
-            <a:ext cx="3217650" cy="985224"/>
-          </a:xfrm>
-          <a:prstGeom prst="rect">
-            <a:avLst/>
-          </a:prstGeom>
-        </p:spPr>
-        <p:txBody>
-          <a:bodyPr vert="horz" lIns="91440" tIns="45720" rIns="91440" bIns="45720" rtlCol="0">
-            <a:normAutofit/>
-          </a:bodyPr>
-          <a:lstStyle>
-            <a:lvl1pPr marL="0" indent="0" algn="ctr" defTabSz="914400" rtl="0" eaLnBrk="1" latinLnBrk="0" hangingPunct="1">
-              <a:lnSpc>
-                <a:spcPct val="90000"/>
-              </a:lnSpc>
-              <a:spcBef>
-                <a:spcPts val="1000"/>
-              </a:spcBef>
-              <a:buFont typeface="Arial" panose="020B0604020202020204" pitchFamily="34" charset="0"/>
-              <a:buNone/>
-              <a:defRPr sz="2400" kern="1200">
-                <a:solidFill>
-                  <a:schemeClr val="tx1"/>
-                </a:solidFill>
-                <a:latin typeface="+mn-lt"/>
-                <a:ea typeface="+mn-ea"/>
-                <a:cs typeface="+mn-cs"/>
-              </a:defRPr>
-            </a:lvl1pPr>
-            <a:lvl2pPr marL="457200" indent="0" algn="ctr" defTabSz="914400" rtl="0" eaLnBrk="1" latinLnBrk="0" hangingPunct="1">
-              <a:lnSpc>
-                <a:spcPct val="90000"/>
-              </a:lnSpc>
-              <a:spcBef>
-                <a:spcPts val="500"/>
-              </a:spcBef>
-              <a:buFont typeface="Arial" panose="020B0604020202020204" pitchFamily="34" charset="0"/>
-              <a:buNone/>
-              <a:defRPr sz="2000" kern="1200">
-                <a:solidFill>
-                  <a:schemeClr val="tx1"/>
-                </a:solidFill>
-                <a:latin typeface="+mn-lt"/>
-                <a:ea typeface="+mn-ea"/>
-                <a:cs typeface="+mn-cs"/>
-              </a:defRPr>
-            </a:lvl2pPr>
-            <a:lvl3pPr marL="914400" indent="0" algn="ctr" defTabSz="914400" rtl="0" eaLnBrk="1" latinLnBrk="0" hangingPunct="1">
-              <a:lnSpc>
-                <a:spcPct val="90000"/>
-              </a:lnSpc>
-              <a:spcBef>
-                <a:spcPts val="500"/>
-              </a:spcBef>
-              <a:buFont typeface="Arial" panose="020B0604020202020204" pitchFamily="34" charset="0"/>
-              <a:buNone/>
-              <a:defRPr sz="1800" kern="1200">
-                <a:solidFill>
-                  <a:schemeClr val="tx1"/>
-                </a:solidFill>
-                <a:latin typeface="+mn-lt"/>
-                <a:ea typeface="+mn-ea"/>
-                <a:cs typeface="+mn-cs"/>
-              </a:defRPr>
-            </a:lvl3pPr>
-            <a:lvl4pPr marL="1371600" indent="0" algn="ctr" defTabSz="914400" rtl="0" eaLnBrk="1" latinLnBrk="0" hangingPunct="1">
-              <a:lnSpc>
-                <a:spcPct val="90000"/>
-              </a:lnSpc>
-              <a:spcBef>
-                <a:spcPts val="500"/>
-              </a:spcBef>
-              <a:buFont typeface="Arial" panose="020B0604020202020204" pitchFamily="34" charset="0"/>
-              <a:buNone/>
-              <a:defRPr sz="1600" kern="1200">
-                <a:solidFill>
-                  <a:schemeClr val="tx1"/>
-                </a:solidFill>
-                <a:latin typeface="+mn-lt"/>
-                <a:ea typeface="+mn-ea"/>
-                <a:cs typeface="+mn-cs"/>
-              </a:defRPr>
-            </a:lvl4pPr>
-            <a:lvl5pPr marL="1828800" indent="0" algn="ctr" defTabSz="914400" rtl="0" eaLnBrk="1" latinLnBrk="0" hangingPunct="1">
-              <a:lnSpc>
-                <a:spcPct val="90000"/>
-              </a:lnSpc>
-              <a:spcBef>
-                <a:spcPts val="500"/>
-              </a:spcBef>
-              <a:buFont typeface="Arial" panose="020B0604020202020204" pitchFamily="34" charset="0"/>
-              <a:buNone/>
-              <a:defRPr sz="1600" kern="1200">
-                <a:solidFill>
-                  <a:schemeClr val="tx1"/>
-                </a:solidFill>
-                <a:latin typeface="+mn-lt"/>
-                <a:ea typeface="+mn-ea"/>
-                <a:cs typeface="+mn-cs"/>
-              </a:defRPr>
-            </a:lvl5pPr>
-            <a:lvl6pPr marL="2286000" indent="0" algn="ctr" defTabSz="914400" rtl="0" eaLnBrk="1" latinLnBrk="0" hangingPunct="1">
-              <a:lnSpc>
-                <a:spcPct val="90000"/>
-              </a:lnSpc>
-              <a:spcBef>
-                <a:spcPts val="500"/>
-              </a:spcBef>
-              <a:buFont typeface="Arial" panose="020B0604020202020204" pitchFamily="34" charset="0"/>
-              <a:buNone/>
-              <a:defRPr sz="1600" kern="1200">
-                <a:solidFill>
-                  <a:schemeClr val="tx1"/>
-                </a:solidFill>
-                <a:latin typeface="+mn-lt"/>
-                <a:ea typeface="+mn-ea"/>
-                <a:cs typeface="+mn-cs"/>
-              </a:defRPr>
-            </a:lvl6pPr>
-            <a:lvl7pPr marL="2743200" indent="0" algn="ctr" defTabSz="914400" rtl="0" eaLnBrk="1" latinLnBrk="0" hangingPunct="1">
-              <a:lnSpc>
-                <a:spcPct val="90000"/>
-              </a:lnSpc>
-              <a:spcBef>
-                <a:spcPts val="500"/>
-              </a:spcBef>
-              <a:buFont typeface="Arial" panose="020B0604020202020204" pitchFamily="34" charset="0"/>
-              <a:buNone/>
-              <a:defRPr sz="1600" kern="1200">
-                <a:solidFill>
-                  <a:schemeClr val="tx1"/>
-                </a:solidFill>
-                <a:latin typeface="+mn-lt"/>
-                <a:ea typeface="+mn-ea"/>
-                <a:cs typeface="+mn-cs"/>
-              </a:defRPr>
-            </a:lvl7pPr>
-            <a:lvl8pPr marL="3200400" indent="0" algn="ctr" defTabSz="914400" rtl="0" eaLnBrk="1" latinLnBrk="0" hangingPunct="1">
-              <a:lnSpc>
-                <a:spcPct val="90000"/>
-              </a:lnSpc>
-              <a:spcBef>
-                <a:spcPts val="500"/>
-              </a:spcBef>
-              <a:buFont typeface="Arial" panose="020B0604020202020204" pitchFamily="34" charset="0"/>
-              <a:buNone/>
-              <a:defRPr sz="1600" kern="1200">
-                <a:solidFill>
-                  <a:schemeClr val="tx1"/>
-                </a:solidFill>
-                <a:latin typeface="+mn-lt"/>
-                <a:ea typeface="+mn-ea"/>
-                <a:cs typeface="+mn-cs"/>
-              </a:defRPr>
-            </a:lvl8pPr>
-            <a:lvl9pPr marL="3657600" indent="0" algn="ctr" defTabSz="914400" rtl="0" eaLnBrk="1" latinLnBrk="0" hangingPunct="1">
-              <a:lnSpc>
-                <a:spcPct val="90000"/>
-              </a:lnSpc>
-              <a:spcBef>
-                <a:spcPts val="500"/>
-              </a:spcBef>
-              <a:buFont typeface="Arial" panose="020B0604020202020204" pitchFamily="34" charset="0"/>
-              <a:buNone/>
-              <a:defRPr sz="1600" kern="1200">
-                <a:solidFill>
-                  <a:schemeClr val="tx1"/>
-                </a:solidFill>
-                <a:latin typeface="+mn-lt"/>
-                <a:ea typeface="+mn-ea"/>
-                <a:cs typeface="+mn-cs"/>
-              </a:defRPr>
-            </a:lvl9pPr>
-          </a:lstStyle>
-          <a:p>
-            <a:pPr marL="342900" indent="-342900" algn="l">
-              <a:lnSpc>
-                <a:spcPct val="200000"/>
-              </a:lnSpc>
-              <a:buFont typeface="Arial" panose="020B0604020202020204" pitchFamily="34" charset="0"/>
-              <a:buChar char="•"/>
-            </a:pPr>
-            <a:r>
-              <a:rPr lang="en-US" sz="2000" dirty="0" smtClean="0">
-                <a:solidFill>
-                  <a:srgbClr val="FF0000"/>
-                </a:solidFill>
-                <a:latin typeface="Bahnschrift Light SemiCondensed" panose="020B0502040204020203" pitchFamily="34" charset="0"/>
-              </a:rPr>
-              <a:t>Angular JS</a:t>
-            </a:r>
-            <a:endParaRPr lang="en-US" sz="2000" dirty="0">
-              <a:solidFill>
-                <a:srgbClr val="FF0000"/>
-              </a:solidFill>
-              <a:latin typeface="Bahnschrift Light SemiCondensed" panose="020B0502040204020203" pitchFamily="34" charset="0"/>
-            </a:endParaRPr>
-          </a:p>
-        </p:txBody>
-      </p:sp>
-      <p:sp>
-        <p:nvSpPr>
-          <p:cNvPr id="14" name="Заголовок 1"/>
-          <p:cNvSpPr txBox="1">
-            <a:spLocks/>
-          </p:cNvSpPr>
-          <p:nvPr/>
-        </p:nvSpPr>
-        <p:spPr>
-          <a:xfrm>
-            <a:off x="6792239" y="2311064"/>
-            <a:ext cx="4460290" cy="508593"/>
-          </a:xfrm>
-          <a:prstGeom prst="rect">
-            <a:avLst/>
-          </a:prstGeom>
-        </p:spPr>
-        <p:txBody>
-          <a:bodyPr vert="horz" lIns="91440" tIns="45720" rIns="91440" bIns="45720" rtlCol="0" anchor="b">
-            <a:normAutofit/>
-          </a:bodyPr>
-          <a:lstStyle>
-            <a:lvl1pPr algn="ctr" defTabSz="914400" rtl="0" eaLnBrk="1" latinLnBrk="0" hangingPunct="1">
-              <a:lnSpc>
-                <a:spcPct val="90000"/>
-              </a:lnSpc>
-              <a:spcBef>
-                <a:spcPct val="0"/>
-              </a:spcBef>
-              <a:buNone/>
-              <a:defRPr sz="6000" kern="1200">
-                <a:solidFill>
-                  <a:schemeClr val="tx1"/>
-                </a:solidFill>
-                <a:latin typeface="+mj-lt"/>
-                <a:ea typeface="+mj-ea"/>
-                <a:cs typeface="+mj-cs"/>
-              </a:defRPr>
-            </a:lvl1pPr>
-          </a:lstStyle>
-          <a:p>
-            <a:pPr algn="l"/>
-            <a:r>
-              <a:rPr lang="ru-RU" sz="2400" dirty="0" smtClean="0">
-                <a:solidFill>
-                  <a:srgbClr val="FF0000"/>
-                </a:solidFill>
-                <a:effectLst>
-                  <a:outerShdw blurRad="38100" dist="38100" dir="2700000" algn="tl">
-                    <a:srgbClr val="000000">
-                      <a:alpha val="43137"/>
-                    </a:srgbClr>
-                  </a:outerShdw>
-                </a:effectLst>
-                <a:latin typeface="Bahnschrift Light SemiCondensed" panose="020B0502040204020203" pitchFamily="34" charset="0"/>
-              </a:rPr>
-              <a:t>Программная платформа:</a:t>
-            </a:r>
-            <a:endParaRPr lang="ru-RU" sz="2400" dirty="0">
-              <a:solidFill>
-                <a:srgbClr val="FF0000"/>
-              </a:solidFill>
-              <a:effectLst>
-                <a:outerShdw blurRad="38100" dist="38100" dir="2700000" algn="tl">
-                  <a:srgbClr val="000000">
-                    <a:alpha val="43137"/>
-                  </a:srgbClr>
-                </a:outerShdw>
-              </a:effectLst>
-              <a:latin typeface="Bahnschrift Light SemiCondensed" panose="020B0502040204020203" pitchFamily="34" charset="0"/>
-            </a:endParaRPr>
-          </a:p>
-        </p:txBody>
-      </p:sp>
-      <p:sp>
-        <p:nvSpPr>
-          <p:cNvPr id="15" name="Подзаголовок 2"/>
-          <p:cNvSpPr txBox="1">
-            <a:spLocks/>
-          </p:cNvSpPr>
-          <p:nvPr/>
-        </p:nvSpPr>
-        <p:spPr>
-          <a:xfrm>
-            <a:off x="7330962" y="2722429"/>
-            <a:ext cx="3217650" cy="985224"/>
-          </a:xfrm>
-          <a:prstGeom prst="rect">
-            <a:avLst/>
-          </a:prstGeom>
-        </p:spPr>
-        <p:txBody>
-          <a:bodyPr vert="horz" lIns="91440" tIns="45720" rIns="91440" bIns="45720" rtlCol="0">
-            <a:normAutofit/>
-          </a:bodyPr>
-          <a:lstStyle>
-            <a:lvl1pPr marL="0" indent="0" algn="ctr" defTabSz="914400" rtl="0" eaLnBrk="1" latinLnBrk="0" hangingPunct="1">
-              <a:lnSpc>
-                <a:spcPct val="90000"/>
-              </a:lnSpc>
-              <a:spcBef>
-                <a:spcPts val="1000"/>
-              </a:spcBef>
-              <a:buFont typeface="Arial" panose="020B0604020202020204" pitchFamily="34" charset="0"/>
-              <a:buNone/>
-              <a:defRPr sz="2400" kern="1200">
-                <a:solidFill>
-                  <a:schemeClr val="tx1"/>
-                </a:solidFill>
-                <a:latin typeface="+mn-lt"/>
-                <a:ea typeface="+mn-ea"/>
-                <a:cs typeface="+mn-cs"/>
-              </a:defRPr>
-            </a:lvl1pPr>
-            <a:lvl2pPr marL="457200" indent="0" algn="ctr" defTabSz="914400" rtl="0" eaLnBrk="1" latinLnBrk="0" hangingPunct="1">
-              <a:lnSpc>
-                <a:spcPct val="90000"/>
-              </a:lnSpc>
-              <a:spcBef>
-                <a:spcPts val="500"/>
-              </a:spcBef>
-              <a:buFont typeface="Arial" panose="020B0604020202020204" pitchFamily="34" charset="0"/>
-              <a:buNone/>
-              <a:defRPr sz="2000" kern="1200">
-                <a:solidFill>
-                  <a:schemeClr val="tx1"/>
-                </a:solidFill>
-                <a:latin typeface="+mn-lt"/>
-                <a:ea typeface="+mn-ea"/>
-                <a:cs typeface="+mn-cs"/>
-              </a:defRPr>
-            </a:lvl2pPr>
-            <a:lvl3pPr marL="914400" indent="0" algn="ctr" defTabSz="914400" rtl="0" eaLnBrk="1" latinLnBrk="0" hangingPunct="1">
-              <a:lnSpc>
-                <a:spcPct val="90000"/>
-              </a:lnSpc>
-              <a:spcBef>
-                <a:spcPts val="500"/>
-              </a:spcBef>
-              <a:buFont typeface="Arial" panose="020B0604020202020204" pitchFamily="34" charset="0"/>
-              <a:buNone/>
-              <a:defRPr sz="1800" kern="1200">
-                <a:solidFill>
-                  <a:schemeClr val="tx1"/>
-                </a:solidFill>
-                <a:latin typeface="+mn-lt"/>
-                <a:ea typeface="+mn-ea"/>
-                <a:cs typeface="+mn-cs"/>
-              </a:defRPr>
-            </a:lvl3pPr>
-            <a:lvl4pPr marL="1371600" indent="0" algn="ctr" defTabSz="914400" rtl="0" eaLnBrk="1" latinLnBrk="0" hangingPunct="1">
-              <a:lnSpc>
-                <a:spcPct val="90000"/>
-              </a:lnSpc>
-              <a:spcBef>
-                <a:spcPts val="500"/>
-              </a:spcBef>
-              <a:buFont typeface="Arial" panose="020B0604020202020204" pitchFamily="34" charset="0"/>
-              <a:buNone/>
-              <a:defRPr sz="1600" kern="1200">
-                <a:solidFill>
-                  <a:schemeClr val="tx1"/>
-                </a:solidFill>
-                <a:latin typeface="+mn-lt"/>
-                <a:ea typeface="+mn-ea"/>
-                <a:cs typeface="+mn-cs"/>
-              </a:defRPr>
-            </a:lvl4pPr>
-            <a:lvl5pPr marL="1828800" indent="0" algn="ctr" defTabSz="914400" rtl="0" eaLnBrk="1" latinLnBrk="0" hangingPunct="1">
-              <a:lnSpc>
-                <a:spcPct val="90000"/>
-              </a:lnSpc>
-              <a:spcBef>
-                <a:spcPts val="500"/>
-              </a:spcBef>
-              <a:buFont typeface="Arial" panose="020B0604020202020204" pitchFamily="34" charset="0"/>
-              <a:buNone/>
-              <a:defRPr sz="1600" kern="1200">
-                <a:solidFill>
-                  <a:schemeClr val="tx1"/>
-                </a:solidFill>
-                <a:latin typeface="+mn-lt"/>
-                <a:ea typeface="+mn-ea"/>
-                <a:cs typeface="+mn-cs"/>
-              </a:defRPr>
-            </a:lvl5pPr>
-            <a:lvl6pPr marL="2286000" indent="0" algn="ctr" defTabSz="914400" rtl="0" eaLnBrk="1" latinLnBrk="0" hangingPunct="1">
-              <a:lnSpc>
-                <a:spcPct val="90000"/>
-              </a:lnSpc>
-              <a:spcBef>
-                <a:spcPts val="500"/>
-              </a:spcBef>
-              <a:buFont typeface="Arial" panose="020B0604020202020204" pitchFamily="34" charset="0"/>
-              <a:buNone/>
-              <a:defRPr sz="1600" kern="1200">
-                <a:solidFill>
-                  <a:schemeClr val="tx1"/>
-                </a:solidFill>
-                <a:latin typeface="+mn-lt"/>
-                <a:ea typeface="+mn-ea"/>
-                <a:cs typeface="+mn-cs"/>
-              </a:defRPr>
-            </a:lvl6pPr>
-            <a:lvl7pPr marL="2743200" indent="0" algn="ctr" defTabSz="914400" rtl="0" eaLnBrk="1" latinLnBrk="0" hangingPunct="1">
-              <a:lnSpc>
-                <a:spcPct val="90000"/>
-              </a:lnSpc>
-              <a:spcBef>
-                <a:spcPts val="500"/>
-              </a:spcBef>
-              <a:buFont typeface="Arial" panose="020B0604020202020204" pitchFamily="34" charset="0"/>
-              <a:buNone/>
-              <a:defRPr sz="1600" kern="1200">
-                <a:solidFill>
-                  <a:schemeClr val="tx1"/>
-                </a:solidFill>
-                <a:latin typeface="+mn-lt"/>
-                <a:ea typeface="+mn-ea"/>
-                <a:cs typeface="+mn-cs"/>
-              </a:defRPr>
-            </a:lvl7pPr>
-            <a:lvl8pPr marL="3200400" indent="0" algn="ctr" defTabSz="914400" rtl="0" eaLnBrk="1" latinLnBrk="0" hangingPunct="1">
-              <a:lnSpc>
-                <a:spcPct val="90000"/>
-              </a:lnSpc>
-              <a:spcBef>
-                <a:spcPts val="500"/>
-              </a:spcBef>
-              <a:buFont typeface="Arial" panose="020B0604020202020204" pitchFamily="34" charset="0"/>
-              <a:buNone/>
-              <a:defRPr sz="1600" kern="1200">
-                <a:solidFill>
-                  <a:schemeClr val="tx1"/>
-                </a:solidFill>
-                <a:latin typeface="+mn-lt"/>
-                <a:ea typeface="+mn-ea"/>
-                <a:cs typeface="+mn-cs"/>
-              </a:defRPr>
-            </a:lvl8pPr>
-            <a:lvl9pPr marL="3657600" indent="0" algn="ctr" defTabSz="914400" rtl="0" eaLnBrk="1" latinLnBrk="0" hangingPunct="1">
-              <a:lnSpc>
-                <a:spcPct val="90000"/>
-              </a:lnSpc>
-              <a:spcBef>
-                <a:spcPts val="500"/>
-              </a:spcBef>
-              <a:buFont typeface="Arial" panose="020B0604020202020204" pitchFamily="34" charset="0"/>
-              <a:buNone/>
-              <a:defRPr sz="1600" kern="1200">
-                <a:solidFill>
-                  <a:schemeClr val="tx1"/>
-                </a:solidFill>
-                <a:latin typeface="+mn-lt"/>
-                <a:ea typeface="+mn-ea"/>
-                <a:cs typeface="+mn-cs"/>
-              </a:defRPr>
-            </a:lvl9pPr>
-          </a:lstStyle>
-          <a:p>
-            <a:pPr marL="342900" indent="-342900" algn="l">
-              <a:lnSpc>
-                <a:spcPct val="200000"/>
-              </a:lnSpc>
-              <a:buFont typeface="Arial" panose="020B0604020202020204" pitchFamily="34" charset="0"/>
-              <a:buChar char="•"/>
-            </a:pPr>
-            <a:r>
-              <a:rPr lang="en-US" sz="2000" dirty="0" smtClean="0">
-                <a:solidFill>
-                  <a:srgbClr val="FF0000"/>
-                </a:solidFill>
-                <a:latin typeface="Bahnschrift Light SemiCondensed" panose="020B0502040204020203" pitchFamily="34" charset="0"/>
-              </a:rPr>
-              <a:t>Node JS</a:t>
-            </a:r>
-            <a:endParaRPr lang="en-US" sz="2000" dirty="0">
-              <a:solidFill>
-                <a:srgbClr val="FF0000"/>
-              </a:solidFill>
-              <a:latin typeface="Bahnschrift Light SemiCondensed" panose="020B0502040204020203" pitchFamily="34" charset="0"/>
-            </a:endParaRPr>
-          </a:p>
-        </p:txBody>
-      </p:sp>
-      <p:sp>
-        <p:nvSpPr>
-          <p:cNvPr id="18" name="Заголовок 1"/>
-          <p:cNvSpPr txBox="1">
-            <a:spLocks/>
-          </p:cNvSpPr>
-          <p:nvPr/>
-        </p:nvSpPr>
-        <p:spPr>
-          <a:xfrm>
-            <a:off x="6792239" y="3967344"/>
-            <a:ext cx="4460290" cy="508593"/>
-          </a:xfrm>
-          <a:prstGeom prst="rect">
-            <a:avLst/>
-          </a:prstGeom>
-        </p:spPr>
-        <p:txBody>
-          <a:bodyPr vert="horz" lIns="91440" tIns="45720" rIns="91440" bIns="45720" rtlCol="0" anchor="b">
-            <a:normAutofit/>
-          </a:bodyPr>
-          <a:lstStyle>
-            <a:lvl1pPr algn="ctr" defTabSz="914400" rtl="0" eaLnBrk="1" latinLnBrk="0" hangingPunct="1">
-              <a:lnSpc>
-                <a:spcPct val="90000"/>
-              </a:lnSpc>
-              <a:spcBef>
-                <a:spcPct val="0"/>
-              </a:spcBef>
-              <a:buNone/>
-              <a:defRPr sz="6000" kern="1200">
-                <a:solidFill>
-                  <a:schemeClr val="tx1"/>
-                </a:solidFill>
-                <a:latin typeface="+mj-lt"/>
-                <a:ea typeface="+mj-ea"/>
-                <a:cs typeface="+mj-cs"/>
-              </a:defRPr>
-            </a:lvl1pPr>
-          </a:lstStyle>
-          <a:p>
-            <a:pPr algn="l"/>
-            <a:r>
-              <a:rPr lang="ru-RU" sz="2400" dirty="0" smtClean="0">
-                <a:solidFill>
-                  <a:srgbClr val="FF0000"/>
-                </a:solidFill>
-                <a:effectLst>
-                  <a:outerShdw blurRad="38100" dist="38100" dir="2700000" algn="tl">
-                    <a:srgbClr val="000000">
-                      <a:alpha val="43137"/>
-                    </a:srgbClr>
-                  </a:outerShdw>
-                </a:effectLst>
-                <a:latin typeface="Bahnschrift Light SemiCondensed" panose="020B0502040204020203" pitchFamily="34" charset="0"/>
-              </a:rPr>
-              <a:t>Обмен данными:</a:t>
-            </a:r>
-            <a:endParaRPr lang="ru-RU" sz="2400" dirty="0">
-              <a:solidFill>
-                <a:srgbClr val="FF0000"/>
-              </a:solidFill>
-              <a:effectLst>
-                <a:outerShdw blurRad="38100" dist="38100" dir="2700000" algn="tl">
-                  <a:srgbClr val="000000">
-                    <a:alpha val="43137"/>
-                  </a:srgbClr>
-                </a:outerShdw>
-              </a:effectLst>
-              <a:latin typeface="Bahnschrift Light SemiCondensed" panose="020B0502040204020203" pitchFamily="34" charset="0"/>
-            </a:endParaRPr>
-          </a:p>
-        </p:txBody>
-      </p:sp>
-      <p:sp>
-        <p:nvSpPr>
-          <p:cNvPr id="19" name="Подзаголовок 2"/>
-          <p:cNvSpPr txBox="1">
-            <a:spLocks/>
-          </p:cNvSpPr>
-          <p:nvPr/>
-        </p:nvSpPr>
-        <p:spPr>
-          <a:xfrm>
-            <a:off x="7330962" y="4378709"/>
-            <a:ext cx="3217650" cy="985224"/>
-          </a:xfrm>
-          <a:prstGeom prst="rect">
-            <a:avLst/>
-          </a:prstGeom>
-        </p:spPr>
-        <p:txBody>
-          <a:bodyPr vert="horz" lIns="91440" tIns="45720" rIns="91440" bIns="45720" rtlCol="0">
-            <a:normAutofit/>
-          </a:bodyPr>
-          <a:lstStyle>
-            <a:lvl1pPr marL="0" indent="0" algn="ctr" defTabSz="914400" rtl="0" eaLnBrk="1" latinLnBrk="0" hangingPunct="1">
-              <a:lnSpc>
-                <a:spcPct val="90000"/>
-              </a:lnSpc>
-              <a:spcBef>
-                <a:spcPts val="1000"/>
-              </a:spcBef>
-              <a:buFont typeface="Arial" panose="020B0604020202020204" pitchFamily="34" charset="0"/>
-              <a:buNone/>
-              <a:defRPr sz="2400" kern="1200">
-                <a:solidFill>
-                  <a:schemeClr val="tx1"/>
-                </a:solidFill>
-                <a:latin typeface="+mn-lt"/>
-                <a:ea typeface="+mn-ea"/>
-                <a:cs typeface="+mn-cs"/>
-              </a:defRPr>
-            </a:lvl1pPr>
-            <a:lvl2pPr marL="457200" indent="0" algn="ctr" defTabSz="914400" rtl="0" eaLnBrk="1" latinLnBrk="0" hangingPunct="1">
-              <a:lnSpc>
-                <a:spcPct val="90000"/>
-              </a:lnSpc>
-              <a:spcBef>
-                <a:spcPts val="500"/>
-              </a:spcBef>
-              <a:buFont typeface="Arial" panose="020B0604020202020204" pitchFamily="34" charset="0"/>
-              <a:buNone/>
-              <a:defRPr sz="2000" kern="1200">
-                <a:solidFill>
-                  <a:schemeClr val="tx1"/>
-                </a:solidFill>
-                <a:latin typeface="+mn-lt"/>
-                <a:ea typeface="+mn-ea"/>
-                <a:cs typeface="+mn-cs"/>
-              </a:defRPr>
-            </a:lvl2pPr>
-            <a:lvl3pPr marL="914400" indent="0" algn="ctr" defTabSz="914400" rtl="0" eaLnBrk="1" latinLnBrk="0" hangingPunct="1">
-              <a:lnSpc>
-                <a:spcPct val="90000"/>
-              </a:lnSpc>
-              <a:spcBef>
-                <a:spcPts val="500"/>
-              </a:spcBef>
-              <a:buFont typeface="Arial" panose="020B0604020202020204" pitchFamily="34" charset="0"/>
-              <a:buNone/>
-              <a:defRPr sz="1800" kern="1200">
-                <a:solidFill>
-                  <a:schemeClr val="tx1"/>
-                </a:solidFill>
-                <a:latin typeface="+mn-lt"/>
-                <a:ea typeface="+mn-ea"/>
-                <a:cs typeface="+mn-cs"/>
-              </a:defRPr>
-            </a:lvl3pPr>
-            <a:lvl4pPr marL="1371600" indent="0" algn="ctr" defTabSz="914400" rtl="0" eaLnBrk="1" latinLnBrk="0" hangingPunct="1">
-              <a:lnSpc>
-                <a:spcPct val="90000"/>
-              </a:lnSpc>
-              <a:spcBef>
-                <a:spcPts val="500"/>
-              </a:spcBef>
-              <a:buFont typeface="Arial" panose="020B0604020202020204" pitchFamily="34" charset="0"/>
-              <a:buNone/>
-              <a:defRPr sz="1600" kern="1200">
-                <a:solidFill>
-                  <a:schemeClr val="tx1"/>
-                </a:solidFill>
-                <a:latin typeface="+mn-lt"/>
-                <a:ea typeface="+mn-ea"/>
-                <a:cs typeface="+mn-cs"/>
-              </a:defRPr>
-            </a:lvl4pPr>
-            <a:lvl5pPr marL="1828800" indent="0" algn="ctr" defTabSz="914400" rtl="0" eaLnBrk="1" latinLnBrk="0" hangingPunct="1">
-              <a:lnSpc>
-                <a:spcPct val="90000"/>
-              </a:lnSpc>
-              <a:spcBef>
-                <a:spcPts val="500"/>
-              </a:spcBef>
-              <a:buFont typeface="Arial" panose="020B0604020202020204" pitchFamily="34" charset="0"/>
-              <a:buNone/>
-              <a:defRPr sz="1600" kern="1200">
-                <a:solidFill>
-                  <a:schemeClr val="tx1"/>
-                </a:solidFill>
-                <a:latin typeface="+mn-lt"/>
-                <a:ea typeface="+mn-ea"/>
-                <a:cs typeface="+mn-cs"/>
-              </a:defRPr>
-            </a:lvl5pPr>
-            <a:lvl6pPr marL="2286000" indent="0" algn="ctr" defTabSz="914400" rtl="0" eaLnBrk="1" latinLnBrk="0" hangingPunct="1">
-              <a:lnSpc>
-                <a:spcPct val="90000"/>
-              </a:lnSpc>
-              <a:spcBef>
-                <a:spcPts val="500"/>
-              </a:spcBef>
-              <a:buFont typeface="Arial" panose="020B0604020202020204" pitchFamily="34" charset="0"/>
-              <a:buNone/>
-              <a:defRPr sz="1600" kern="1200">
-                <a:solidFill>
-                  <a:schemeClr val="tx1"/>
-                </a:solidFill>
-                <a:latin typeface="+mn-lt"/>
-                <a:ea typeface="+mn-ea"/>
-                <a:cs typeface="+mn-cs"/>
-              </a:defRPr>
-            </a:lvl6pPr>
-            <a:lvl7pPr marL="2743200" indent="0" algn="ctr" defTabSz="914400" rtl="0" eaLnBrk="1" latinLnBrk="0" hangingPunct="1">
-              <a:lnSpc>
-                <a:spcPct val="90000"/>
-              </a:lnSpc>
-              <a:spcBef>
-                <a:spcPts val="500"/>
-              </a:spcBef>
-              <a:buFont typeface="Arial" panose="020B0604020202020204" pitchFamily="34" charset="0"/>
-              <a:buNone/>
-              <a:defRPr sz="1600" kern="1200">
-                <a:solidFill>
-                  <a:schemeClr val="tx1"/>
-                </a:solidFill>
-                <a:latin typeface="+mn-lt"/>
-                <a:ea typeface="+mn-ea"/>
-                <a:cs typeface="+mn-cs"/>
-              </a:defRPr>
-            </a:lvl7pPr>
-            <a:lvl8pPr marL="3200400" indent="0" algn="ctr" defTabSz="914400" rtl="0" eaLnBrk="1" latinLnBrk="0" hangingPunct="1">
-              <a:lnSpc>
-                <a:spcPct val="90000"/>
-              </a:lnSpc>
-              <a:spcBef>
-                <a:spcPts val="500"/>
-              </a:spcBef>
-              <a:buFont typeface="Arial" panose="020B0604020202020204" pitchFamily="34" charset="0"/>
-              <a:buNone/>
-              <a:defRPr sz="1600" kern="1200">
-                <a:solidFill>
-                  <a:schemeClr val="tx1"/>
-                </a:solidFill>
-                <a:latin typeface="+mn-lt"/>
-                <a:ea typeface="+mn-ea"/>
-                <a:cs typeface="+mn-cs"/>
-              </a:defRPr>
-            </a:lvl8pPr>
-            <a:lvl9pPr marL="3657600" indent="0" algn="ctr" defTabSz="914400" rtl="0" eaLnBrk="1" latinLnBrk="0" hangingPunct="1">
-              <a:lnSpc>
-                <a:spcPct val="90000"/>
-              </a:lnSpc>
-              <a:spcBef>
-                <a:spcPts val="500"/>
-              </a:spcBef>
-              <a:buFont typeface="Arial" panose="020B0604020202020204" pitchFamily="34" charset="0"/>
-              <a:buNone/>
-              <a:defRPr sz="1600" kern="1200">
-                <a:solidFill>
-                  <a:schemeClr val="tx1"/>
-                </a:solidFill>
-                <a:latin typeface="+mn-lt"/>
-                <a:ea typeface="+mn-ea"/>
-                <a:cs typeface="+mn-cs"/>
-              </a:defRPr>
-            </a:lvl9pPr>
-          </a:lstStyle>
-          <a:p>
-            <a:pPr marL="342900" indent="-342900" algn="l">
-              <a:lnSpc>
-                <a:spcPct val="200000"/>
-              </a:lnSpc>
-              <a:buFont typeface="Arial" panose="020B0604020202020204" pitchFamily="34" charset="0"/>
-              <a:buChar char="•"/>
-            </a:pPr>
-            <a:r>
-              <a:rPr lang="en-US" sz="2000" dirty="0" smtClean="0">
-                <a:solidFill>
-                  <a:srgbClr val="FF0000"/>
-                </a:solidFill>
-                <a:latin typeface="Bahnschrift Light SemiCondensed" panose="020B0502040204020203" pitchFamily="34" charset="0"/>
-              </a:rPr>
-              <a:t>JSON</a:t>
-            </a:r>
-            <a:endParaRPr lang="en-US" sz="2000" dirty="0">
-              <a:solidFill>
-                <a:srgbClr val="FF0000"/>
-              </a:solidFill>
-              <a:latin typeface="Bahnschrift Light SemiCondensed" panose="020B0502040204020203" pitchFamily="34" charset="0"/>
-            </a:endParaRPr>
-          </a:p>
-        </p:txBody>
-      </p:sp>
+      <p:graphicFrame>
+        <p:nvGraphicFramePr>
+          <p:cNvPr id="16" name="Таблица 15"/>
+          <p:cNvGraphicFramePr>
+            <a:graphicFrameLocks noGrp="1"/>
+          </p:cNvGraphicFramePr>
+          <p:nvPr>
+            <p:extLst>
+              <p:ext uri="{D42A27DB-BD31-4B8C-83A1-F6EECF244321}">
+                <p14:modId xmlns:p14="http://schemas.microsoft.com/office/powerpoint/2010/main" val="2855869497"/>
+              </p:ext>
+            </p:extLst>
+          </p:nvPr>
+        </p:nvGraphicFramePr>
+        <p:xfrm>
+          <a:off x="1727865" y="1958196"/>
+          <a:ext cx="8477184" cy="3976777"/>
+        </p:xfrm>
+        <a:graphic>
+          <a:graphicData uri="http://schemas.openxmlformats.org/drawingml/2006/table">
+            <a:tbl>
+              <a:tblPr firstRow="1" bandRow="1">
+                <a:tableStyleId>{21E4AEA4-8DFA-4A89-87EB-49C32662AFE0}</a:tableStyleId>
+              </a:tblPr>
+              <a:tblGrid>
+                <a:gridCol w="2825728">
+                  <a:extLst>
+                    <a:ext uri="{9D8B030D-6E8A-4147-A177-3AD203B41FA5}">
+                      <a16:colId xmlns:a16="http://schemas.microsoft.com/office/drawing/2014/main" val="20000"/>
+                    </a:ext>
+                  </a:extLst>
+                </a:gridCol>
+                <a:gridCol w="2825728">
+                  <a:extLst>
+                    <a:ext uri="{9D8B030D-6E8A-4147-A177-3AD203B41FA5}">
+                      <a16:colId xmlns:a16="http://schemas.microsoft.com/office/drawing/2014/main" val="20001"/>
+                    </a:ext>
+                  </a:extLst>
+                </a:gridCol>
+                <a:gridCol w="2825728">
+                  <a:extLst>
+                    <a:ext uri="{9D8B030D-6E8A-4147-A177-3AD203B41FA5}">
+                      <a16:colId xmlns:a16="http://schemas.microsoft.com/office/drawing/2014/main" val="20002"/>
+                    </a:ext>
+                  </a:extLst>
+                </a:gridCol>
+              </a:tblGrid>
+              <a:tr h="559693">
+                <a:tc>
+                  <a:txBody>
+                    <a:bodyPr/>
+                    <a:lstStyle/>
+                    <a:p>
+                      <a:r>
+                        <a:rPr lang="ru-RU" sz="2200" dirty="0" smtClean="0"/>
+                        <a:t>Использование</a:t>
+                      </a:r>
+                      <a:endParaRPr lang="ru-RU" sz="2200" dirty="0"/>
+                    </a:p>
+                  </a:txBody>
+                  <a:tcPr marL="109047" marR="109047" marT="54523" marB="54523"/>
+                </a:tc>
+                <a:tc>
+                  <a:txBody>
+                    <a:bodyPr/>
+                    <a:lstStyle/>
+                    <a:p>
+                      <a:r>
+                        <a:rPr lang="ru-RU" sz="2200" dirty="0" smtClean="0"/>
+                        <a:t>Технология</a:t>
+                      </a:r>
+                      <a:endParaRPr lang="ru-RU" sz="2200" dirty="0"/>
+                    </a:p>
+                  </a:txBody>
+                  <a:tcPr marL="109047" marR="109047" marT="54523" marB="54523"/>
+                </a:tc>
+                <a:tc>
+                  <a:txBody>
+                    <a:bodyPr/>
+                    <a:lstStyle/>
+                    <a:p>
+                      <a:r>
+                        <a:rPr lang="ru-RU" sz="2200" dirty="0" smtClean="0"/>
+                        <a:t>Причины</a:t>
+                      </a:r>
+                      <a:endParaRPr lang="ru-RU" sz="2200" dirty="0"/>
+                    </a:p>
+                  </a:txBody>
+                  <a:tcPr marL="109047" marR="109047" marT="54523" marB="54523"/>
+                </a:tc>
+                <a:extLst>
+                  <a:ext uri="{0D108BD9-81ED-4DB2-BD59-A6C34878D82A}">
+                    <a16:rowId xmlns:a16="http://schemas.microsoft.com/office/drawing/2014/main" val="10000"/>
+                  </a:ext>
+                </a:extLst>
+              </a:tr>
+              <a:tr h="854271">
+                <a:tc>
+                  <a:txBody>
+                    <a:bodyPr/>
+                    <a:lstStyle/>
+                    <a:p>
+                      <a:r>
+                        <a:rPr lang="ru-RU" sz="2200" dirty="0" smtClean="0"/>
+                        <a:t>Веб-интерфейс</a:t>
+                      </a:r>
+                      <a:endParaRPr lang="ru-RU" sz="2200" dirty="0"/>
+                    </a:p>
+                  </a:txBody>
+                  <a:tcPr marL="109047" marR="109047" marT="54523" marB="54523"/>
+                </a:tc>
+                <a:tc>
+                  <a:txBody>
+                    <a:bodyPr/>
+                    <a:lstStyle/>
+                    <a:p>
+                      <a:r>
+                        <a:rPr lang="en-US" sz="2200" dirty="0" err="1" smtClean="0"/>
+                        <a:t>Javascript</a:t>
+                      </a:r>
+                      <a:r>
+                        <a:rPr lang="en-US" sz="2200" dirty="0" smtClean="0"/>
+                        <a:t>, Typescript</a:t>
+                      </a:r>
+                      <a:r>
+                        <a:rPr lang="ru-RU" sz="2200" dirty="0" smtClean="0"/>
+                        <a:t>, </a:t>
+                      </a:r>
+                      <a:r>
+                        <a:rPr lang="en-US" sz="2200" dirty="0" smtClean="0"/>
+                        <a:t>CSS,</a:t>
+                      </a:r>
+                      <a:r>
+                        <a:rPr lang="en-US" sz="2200" baseline="0" dirty="0" smtClean="0"/>
+                        <a:t> Ng-Zorro</a:t>
+                      </a:r>
+                      <a:endParaRPr lang="ru-RU" sz="2200" dirty="0"/>
+                    </a:p>
+                  </a:txBody>
+                  <a:tcPr marL="109047" marR="109047" marT="54523" marB="54523"/>
+                </a:tc>
+                <a:tc rowSpan="4">
+                  <a:txBody>
+                    <a:bodyPr/>
+                    <a:lstStyle/>
+                    <a:p>
+                      <a:r>
+                        <a:rPr lang="ru-RU" sz="2200" dirty="0" smtClean="0"/>
+                        <a:t>Данные технологии</a:t>
+                      </a:r>
+                      <a:r>
+                        <a:rPr lang="ru-RU" sz="2200" baseline="0" dirty="0" smtClean="0"/>
+                        <a:t> используются на предприятии</a:t>
+                      </a:r>
+                      <a:endParaRPr lang="ru-RU" sz="2200" dirty="0"/>
+                    </a:p>
+                  </a:txBody>
+                  <a:tcPr marL="109047" marR="109047" marT="54523" marB="54523"/>
+                </a:tc>
+                <a:extLst>
+                  <a:ext uri="{0D108BD9-81ED-4DB2-BD59-A6C34878D82A}">
+                    <a16:rowId xmlns:a16="http://schemas.microsoft.com/office/drawing/2014/main" val="10001"/>
+                  </a:ext>
+                </a:extLst>
+              </a:tr>
+              <a:tr h="854271">
+                <a:tc>
+                  <a:txBody>
+                    <a:bodyPr/>
+                    <a:lstStyle/>
+                    <a:p>
+                      <a:r>
+                        <a:rPr lang="ru-RU" sz="2200" dirty="0" smtClean="0"/>
+                        <a:t>Фреймворк</a:t>
+                      </a:r>
+                      <a:endParaRPr lang="ru-RU" sz="2200" dirty="0"/>
+                    </a:p>
+                  </a:txBody>
+                  <a:tcPr marL="109047" marR="109047" marT="54523" marB="54523"/>
+                </a:tc>
+                <a:tc>
+                  <a:txBody>
+                    <a:bodyPr/>
+                    <a:lstStyle/>
+                    <a:p>
+                      <a:r>
+                        <a:rPr lang="en-US" sz="2200" dirty="0" smtClean="0"/>
+                        <a:t>Angular</a:t>
+                      </a:r>
+                      <a:r>
+                        <a:rPr lang="en-US" sz="2200" baseline="0" dirty="0" smtClean="0"/>
+                        <a:t> JS</a:t>
+                      </a:r>
+                      <a:endParaRPr lang="ru-RU" sz="2200" dirty="0"/>
+                    </a:p>
+                  </a:txBody>
+                  <a:tcPr marL="109047" marR="109047" marT="54523" marB="54523"/>
+                </a:tc>
+                <a:tc vMerge="1">
+                  <a:txBody>
+                    <a:bodyPr/>
+                    <a:lstStyle/>
+                    <a:p>
+                      <a:endParaRPr lang="ru-RU" dirty="0"/>
+                    </a:p>
+                  </a:txBody>
+                  <a:tcPr/>
+                </a:tc>
+                <a:extLst>
+                  <a:ext uri="{0D108BD9-81ED-4DB2-BD59-A6C34878D82A}">
+                    <a16:rowId xmlns:a16="http://schemas.microsoft.com/office/drawing/2014/main" val="10002"/>
+                  </a:ext>
+                </a:extLst>
+              </a:tr>
+              <a:tr h="854271">
+                <a:tc>
+                  <a:txBody>
+                    <a:bodyPr/>
+                    <a:lstStyle/>
+                    <a:p>
+                      <a:r>
+                        <a:rPr lang="ru-RU" sz="2200" dirty="0" smtClean="0"/>
+                        <a:t>Сервер</a:t>
+                      </a:r>
+                      <a:r>
+                        <a:rPr lang="ru-RU" sz="2200" baseline="0" dirty="0" smtClean="0"/>
+                        <a:t> приложений</a:t>
+                      </a:r>
+                      <a:endParaRPr lang="ru-RU" sz="2200" dirty="0"/>
+                    </a:p>
+                  </a:txBody>
+                  <a:tcPr marL="109047" marR="109047" marT="54523" marB="54523"/>
+                </a:tc>
+                <a:tc>
+                  <a:txBody>
+                    <a:bodyPr/>
+                    <a:lstStyle/>
+                    <a:p>
+                      <a:r>
+                        <a:rPr lang="en-US" sz="2200" dirty="0" smtClean="0"/>
+                        <a:t>Node JS</a:t>
+                      </a:r>
+                      <a:endParaRPr lang="ru-RU" sz="2200" dirty="0"/>
+                    </a:p>
+                  </a:txBody>
+                  <a:tcPr marL="109047" marR="109047" marT="54523" marB="54523"/>
+                </a:tc>
+                <a:tc vMerge="1">
+                  <a:txBody>
+                    <a:bodyPr/>
+                    <a:lstStyle/>
+                    <a:p>
+                      <a:endParaRPr lang="ru-RU" dirty="0"/>
+                    </a:p>
+                  </a:txBody>
+                  <a:tcPr/>
+                </a:tc>
+                <a:extLst>
+                  <a:ext uri="{0D108BD9-81ED-4DB2-BD59-A6C34878D82A}">
+                    <a16:rowId xmlns:a16="http://schemas.microsoft.com/office/drawing/2014/main" val="10004"/>
+                  </a:ext>
+                </a:extLst>
+              </a:tr>
+              <a:tr h="854271">
+                <a:tc>
+                  <a:txBody>
+                    <a:bodyPr/>
+                    <a:lstStyle/>
+                    <a:p>
+                      <a:r>
+                        <a:rPr lang="ru-RU" sz="2200" dirty="0" smtClean="0"/>
+                        <a:t>Обмен данными</a:t>
+                      </a:r>
+                      <a:endParaRPr lang="ru-RU" sz="2200" dirty="0"/>
+                    </a:p>
+                  </a:txBody>
+                  <a:tcPr marL="109047" marR="109047" marT="54523" marB="54523"/>
+                </a:tc>
+                <a:tc>
+                  <a:txBody>
+                    <a:bodyPr/>
+                    <a:lstStyle/>
+                    <a:p>
+                      <a:r>
+                        <a:rPr lang="en-US" sz="2200" dirty="0" smtClean="0"/>
+                        <a:t>JSON</a:t>
+                      </a:r>
+                      <a:endParaRPr lang="ru-RU" sz="2200" dirty="0"/>
+                    </a:p>
+                  </a:txBody>
+                  <a:tcPr marL="109047" marR="109047" marT="54523" marB="54523"/>
+                </a:tc>
+                <a:tc vMerge="1">
+                  <a:txBody>
+                    <a:bodyPr/>
+                    <a:lstStyle/>
+                    <a:p>
+                      <a:endParaRPr lang="ru-RU" dirty="0"/>
+                    </a:p>
+                  </a:txBody>
+                  <a:tcPr/>
+                </a:tc>
+                <a:extLst>
+                  <a:ext uri="{0D108BD9-81ED-4DB2-BD59-A6C34878D82A}">
+                    <a16:rowId xmlns:a16="http://schemas.microsoft.com/office/drawing/2014/main" val="10005"/>
+                  </a:ext>
+                </a:extLst>
+              </a:tr>
+            </a:tbl>
+          </a:graphicData>
+        </a:graphic>
+      </p:graphicFrame>
     </p:spTree>
     <p:extLst>
       <p:ext uri="{BB962C8B-B14F-4D97-AF65-F5344CB8AC3E}">
@@ -8624,6 +7785,1141 @@
       </p:grpSpPr>
       <p:sp>
         <p:nvSpPr>
+          <p:cNvPr id="2" name="Заголовок 1"/>
+          <p:cNvSpPr>
+            <a:spLocks noGrp="1"/>
+          </p:cNvSpPr>
+          <p:nvPr>
+            <p:ph type="ctrTitle"/>
+          </p:nvPr>
+        </p:nvSpPr>
+        <p:spPr>
+          <a:xfrm>
+            <a:off x="2150526" y="385213"/>
+            <a:ext cx="4859846" cy="508593"/>
+          </a:xfrm>
+        </p:spPr>
+        <p:txBody>
+          <a:bodyPr>
+            <a:normAutofit fontScale="90000"/>
+          </a:bodyPr>
+          <a:lstStyle/>
+          <a:p>
+            <a:pPr algn="l"/>
+            <a:r>
+              <a:rPr lang="ru-RU" sz="3200" dirty="0" smtClean="0">
+                <a:solidFill>
+                  <a:srgbClr val="FF0000"/>
+                </a:solidFill>
+                <a:effectLst>
+                  <a:outerShdw blurRad="38100" dist="38100" dir="2700000" algn="tl">
+                    <a:srgbClr val="000000">
+                      <a:alpha val="43137"/>
+                    </a:srgbClr>
+                  </a:outerShdw>
+                </a:effectLst>
+                <a:latin typeface="Bahnschrift Light SemiCondensed" panose="020B0502040204020203" pitchFamily="34" charset="0"/>
+              </a:rPr>
+              <a:t>Методики тестирования</a:t>
+            </a:r>
+            <a:endParaRPr lang="ru-RU" sz="3200" dirty="0">
+              <a:solidFill>
+                <a:srgbClr val="FF0000"/>
+              </a:solidFill>
+              <a:effectLst>
+                <a:outerShdw blurRad="38100" dist="38100" dir="2700000" algn="tl">
+                  <a:srgbClr val="000000">
+                    <a:alpha val="43137"/>
+                  </a:srgbClr>
+                </a:outerShdw>
+              </a:effectLst>
+              <a:latin typeface="Bahnschrift Light SemiCondensed" panose="020B0502040204020203" pitchFamily="34" charset="0"/>
+            </a:endParaRPr>
+          </a:p>
+        </p:txBody>
+      </p:sp>
+      <p:pic>
+        <p:nvPicPr>
+          <p:cNvPr id="3074" name="Picture 2" descr="Картинки по запросу &quot;tsak flat png red&quot;"/>
+          <p:cNvPicPr>
+            <a:picLocks noChangeAspect="1" noChangeArrowheads="1"/>
+          </p:cNvPicPr>
+          <p:nvPr/>
+        </p:nvPicPr>
+        <p:blipFill>
+          <a:blip r:embed="rId2" cstate="print">
+            <a:extLst>
+              <a:ext uri="{28A0092B-C50C-407E-A947-70E740481C1C}">
+                <a14:useLocalDpi xmlns:a14="http://schemas.microsoft.com/office/drawing/2010/main" val="0"/>
+              </a:ext>
+            </a:extLst>
+          </a:blip>
+          <a:srcRect/>
+          <a:stretch>
+            <a:fillRect/>
+          </a:stretch>
+        </p:blipFill>
+        <p:spPr bwMode="auto">
+          <a:xfrm>
+            <a:off x="1380228" y="254361"/>
+            <a:ext cx="770298" cy="770298"/>
+          </a:xfrm>
+          <a:prstGeom prst="rect">
+            <a:avLst/>
+          </a:prstGeom>
+          <a:noFill/>
+          <a:extLst>
+            <a:ext uri="{909E8E84-426E-40DD-AFC4-6F175D3DCCD1}">
+              <a14:hiddenFill xmlns:a14="http://schemas.microsoft.com/office/drawing/2010/main">
+                <a:solidFill>
+                  <a:srgbClr val="FFFFFF"/>
+                </a:solidFill>
+              </a14:hiddenFill>
+            </a:ext>
+          </a:extLst>
+        </p:spPr>
+      </p:pic>
+      <p:sp>
+        <p:nvSpPr>
+          <p:cNvPr id="7" name="Содержимое 2"/>
+          <p:cNvSpPr txBox="1">
+            <a:spLocks/>
+          </p:cNvSpPr>
+          <p:nvPr/>
+        </p:nvSpPr>
+        <p:spPr>
+          <a:xfrm>
+            <a:off x="480203" y="4770409"/>
+            <a:ext cx="10955546" cy="1578633"/>
+          </a:xfrm>
+          <a:prstGeom prst="rect">
+            <a:avLst/>
+          </a:prstGeom>
+          <a:noFill/>
+          <a:ln w="12700">
+            <a:solidFill>
+              <a:srgbClr val="FF0000"/>
+            </a:solidFill>
+          </a:ln>
+        </p:spPr>
+        <p:txBody>
+          <a:bodyPr vert="horz" lIns="91440" tIns="45720" rIns="91440" bIns="45720" rtlCol="0">
+            <a:normAutofit fontScale="62500" lnSpcReduction="20000"/>
+          </a:bodyPr>
+          <a:lstStyle>
+            <a:lvl1pPr marL="0" indent="0" algn="ctr" defTabSz="914400" rtl="0" eaLnBrk="1" latinLnBrk="0" hangingPunct="1">
+              <a:lnSpc>
+                <a:spcPct val="90000"/>
+              </a:lnSpc>
+              <a:spcBef>
+                <a:spcPts val="1000"/>
+              </a:spcBef>
+              <a:buFont typeface="Arial" panose="020B0604020202020204" pitchFamily="34" charset="0"/>
+              <a:buNone/>
+              <a:defRPr sz="2400" kern="1200">
+                <a:solidFill>
+                  <a:schemeClr val="tx1"/>
+                </a:solidFill>
+                <a:latin typeface="+mn-lt"/>
+                <a:ea typeface="+mn-ea"/>
+                <a:cs typeface="+mn-cs"/>
+              </a:defRPr>
+            </a:lvl1pPr>
+            <a:lvl2pPr marL="457200" indent="0" algn="ctr" defTabSz="914400" rtl="0" eaLnBrk="1" latinLnBrk="0" hangingPunct="1">
+              <a:lnSpc>
+                <a:spcPct val="90000"/>
+              </a:lnSpc>
+              <a:spcBef>
+                <a:spcPts val="500"/>
+              </a:spcBef>
+              <a:buFont typeface="Arial" panose="020B0604020202020204" pitchFamily="34" charset="0"/>
+              <a:buNone/>
+              <a:defRPr sz="2000" kern="1200">
+                <a:solidFill>
+                  <a:schemeClr val="tx1"/>
+                </a:solidFill>
+                <a:latin typeface="+mn-lt"/>
+                <a:ea typeface="+mn-ea"/>
+                <a:cs typeface="+mn-cs"/>
+              </a:defRPr>
+            </a:lvl2pPr>
+            <a:lvl3pPr marL="914400" indent="0" algn="ctr" defTabSz="914400" rtl="0" eaLnBrk="1" latinLnBrk="0" hangingPunct="1">
+              <a:lnSpc>
+                <a:spcPct val="90000"/>
+              </a:lnSpc>
+              <a:spcBef>
+                <a:spcPts val="500"/>
+              </a:spcBef>
+              <a:buFont typeface="Arial" panose="020B0604020202020204" pitchFamily="34" charset="0"/>
+              <a:buNone/>
+              <a:defRPr sz="1800" kern="1200">
+                <a:solidFill>
+                  <a:schemeClr val="tx1"/>
+                </a:solidFill>
+                <a:latin typeface="+mn-lt"/>
+                <a:ea typeface="+mn-ea"/>
+                <a:cs typeface="+mn-cs"/>
+              </a:defRPr>
+            </a:lvl3pPr>
+            <a:lvl4pPr marL="1371600" indent="0" algn="ctr" defTabSz="914400" rtl="0" eaLnBrk="1" latinLnBrk="0" hangingPunct="1">
+              <a:lnSpc>
+                <a:spcPct val="90000"/>
+              </a:lnSpc>
+              <a:spcBef>
+                <a:spcPts val="500"/>
+              </a:spcBef>
+              <a:buFont typeface="Arial" panose="020B0604020202020204" pitchFamily="34" charset="0"/>
+              <a:buNone/>
+              <a:defRPr sz="1600" kern="1200">
+                <a:solidFill>
+                  <a:schemeClr val="tx1"/>
+                </a:solidFill>
+                <a:latin typeface="+mn-lt"/>
+                <a:ea typeface="+mn-ea"/>
+                <a:cs typeface="+mn-cs"/>
+              </a:defRPr>
+            </a:lvl4pPr>
+            <a:lvl5pPr marL="1828800" indent="0" algn="ctr" defTabSz="914400" rtl="0" eaLnBrk="1" latinLnBrk="0" hangingPunct="1">
+              <a:lnSpc>
+                <a:spcPct val="90000"/>
+              </a:lnSpc>
+              <a:spcBef>
+                <a:spcPts val="500"/>
+              </a:spcBef>
+              <a:buFont typeface="Arial" panose="020B0604020202020204" pitchFamily="34" charset="0"/>
+              <a:buNone/>
+              <a:defRPr sz="1600" kern="1200">
+                <a:solidFill>
+                  <a:schemeClr val="tx1"/>
+                </a:solidFill>
+                <a:latin typeface="+mn-lt"/>
+                <a:ea typeface="+mn-ea"/>
+                <a:cs typeface="+mn-cs"/>
+              </a:defRPr>
+            </a:lvl5pPr>
+            <a:lvl6pPr marL="2286000" indent="0" algn="ctr" defTabSz="914400" rtl="0" eaLnBrk="1" latinLnBrk="0" hangingPunct="1">
+              <a:lnSpc>
+                <a:spcPct val="90000"/>
+              </a:lnSpc>
+              <a:spcBef>
+                <a:spcPts val="500"/>
+              </a:spcBef>
+              <a:buFont typeface="Arial" panose="020B0604020202020204" pitchFamily="34" charset="0"/>
+              <a:buNone/>
+              <a:defRPr sz="1600" kern="1200">
+                <a:solidFill>
+                  <a:schemeClr val="tx1"/>
+                </a:solidFill>
+                <a:latin typeface="+mn-lt"/>
+                <a:ea typeface="+mn-ea"/>
+                <a:cs typeface="+mn-cs"/>
+              </a:defRPr>
+            </a:lvl6pPr>
+            <a:lvl7pPr marL="2743200" indent="0" algn="ctr" defTabSz="914400" rtl="0" eaLnBrk="1" latinLnBrk="0" hangingPunct="1">
+              <a:lnSpc>
+                <a:spcPct val="90000"/>
+              </a:lnSpc>
+              <a:spcBef>
+                <a:spcPts val="500"/>
+              </a:spcBef>
+              <a:buFont typeface="Arial" panose="020B0604020202020204" pitchFamily="34" charset="0"/>
+              <a:buNone/>
+              <a:defRPr sz="1600" kern="1200">
+                <a:solidFill>
+                  <a:schemeClr val="tx1"/>
+                </a:solidFill>
+                <a:latin typeface="+mn-lt"/>
+                <a:ea typeface="+mn-ea"/>
+                <a:cs typeface="+mn-cs"/>
+              </a:defRPr>
+            </a:lvl7pPr>
+            <a:lvl8pPr marL="3200400" indent="0" algn="ctr" defTabSz="914400" rtl="0" eaLnBrk="1" latinLnBrk="0" hangingPunct="1">
+              <a:lnSpc>
+                <a:spcPct val="90000"/>
+              </a:lnSpc>
+              <a:spcBef>
+                <a:spcPts val="500"/>
+              </a:spcBef>
+              <a:buFont typeface="Arial" panose="020B0604020202020204" pitchFamily="34" charset="0"/>
+              <a:buNone/>
+              <a:defRPr sz="1600" kern="1200">
+                <a:solidFill>
+                  <a:schemeClr val="tx1"/>
+                </a:solidFill>
+                <a:latin typeface="+mn-lt"/>
+                <a:ea typeface="+mn-ea"/>
+                <a:cs typeface="+mn-cs"/>
+              </a:defRPr>
+            </a:lvl8pPr>
+            <a:lvl9pPr marL="3657600" indent="0" algn="ctr" defTabSz="914400" rtl="0" eaLnBrk="1" latinLnBrk="0" hangingPunct="1">
+              <a:lnSpc>
+                <a:spcPct val="90000"/>
+              </a:lnSpc>
+              <a:spcBef>
+                <a:spcPts val="500"/>
+              </a:spcBef>
+              <a:buFont typeface="Arial" panose="020B0604020202020204" pitchFamily="34" charset="0"/>
+              <a:buNone/>
+              <a:defRPr sz="1600" kern="1200">
+                <a:solidFill>
+                  <a:schemeClr val="tx1"/>
+                </a:solidFill>
+                <a:latin typeface="+mn-lt"/>
+                <a:ea typeface="+mn-ea"/>
+                <a:cs typeface="+mn-cs"/>
+              </a:defRPr>
+            </a:lvl9pPr>
+          </a:lstStyle>
+          <a:p>
+            <a:pPr marL="342900" indent="-342900" algn="l">
+              <a:buFont typeface="Arial" panose="020B0604020202020204" pitchFamily="34" charset="0"/>
+              <a:buChar char="•"/>
+            </a:pPr>
+            <a:endParaRPr lang="ru-RU" dirty="0" smtClean="0">
+              <a:solidFill>
+                <a:srgbClr val="FF0000"/>
+              </a:solidFill>
+              <a:latin typeface="Bahnschrift Light SemiCondensed" panose="020B0502040204020203" pitchFamily="34" charset="0"/>
+            </a:endParaRPr>
+          </a:p>
+          <a:p>
+            <a:pPr marL="342900" indent="-342900" algn="l">
+              <a:buFont typeface="Arial" panose="020B0604020202020204" pitchFamily="34" charset="0"/>
+              <a:buChar char="•"/>
+            </a:pPr>
+            <a:r>
+              <a:rPr lang="ru-RU" dirty="0" smtClean="0">
+                <a:solidFill>
+                  <a:srgbClr val="FF0000"/>
+                </a:solidFill>
+                <a:latin typeface="Bahnschrift Light SemiCondensed" panose="020B0502040204020203" pitchFamily="34" charset="0"/>
+              </a:rPr>
+              <a:t>Объектом испытаний является онлайн-приложение «</a:t>
+            </a:r>
+            <a:r>
+              <a:rPr lang="en-US" dirty="0" smtClean="0">
+                <a:solidFill>
+                  <a:srgbClr val="FF0000"/>
+                </a:solidFill>
+                <a:latin typeface="Bahnschrift Light SemiCondensed" panose="020B0502040204020203" pitchFamily="34" charset="0"/>
+              </a:rPr>
+              <a:t>B2B </a:t>
+            </a:r>
+            <a:r>
+              <a:rPr lang="ru-RU" dirty="0" smtClean="0">
+                <a:solidFill>
+                  <a:srgbClr val="FF0000"/>
+                </a:solidFill>
+                <a:latin typeface="Bahnschrift Light SemiCondensed" panose="020B0502040204020203" pitchFamily="34" charset="0"/>
+              </a:rPr>
+              <a:t>Согласие». Испытания проводятся для клиентской части, для серверной части и для системы в целом.</a:t>
+            </a:r>
+          </a:p>
+          <a:p>
+            <a:pPr marL="342900" indent="-342900" algn="l">
+              <a:buFont typeface="Arial" panose="020B0604020202020204" pitchFamily="34" charset="0"/>
+              <a:buChar char="•"/>
+            </a:pPr>
+            <a:endParaRPr lang="ru-RU" dirty="0" smtClean="0">
+              <a:solidFill>
+                <a:srgbClr val="FF0000"/>
+              </a:solidFill>
+              <a:latin typeface="Bahnschrift Light SemiCondensed" panose="020B0502040204020203" pitchFamily="34" charset="0"/>
+            </a:endParaRPr>
+          </a:p>
+          <a:p>
+            <a:pPr marL="342900" indent="-342900" algn="l">
+              <a:buFont typeface="Arial" panose="020B0604020202020204" pitchFamily="34" charset="0"/>
+              <a:buChar char="•"/>
+            </a:pPr>
+            <a:r>
+              <a:rPr lang="ru-RU" dirty="0" smtClean="0">
+                <a:solidFill>
+                  <a:srgbClr val="FF0000"/>
+                </a:solidFill>
+                <a:latin typeface="Bahnschrift Light SemiCondensed" panose="020B0502040204020203" pitchFamily="34" charset="0"/>
+              </a:rPr>
+              <a:t>Требования к клиентской и серверной частям различны. Основные требования указаны в пункте «функциональные требования».</a:t>
+            </a:r>
+          </a:p>
+          <a:p>
+            <a:pPr algn="l"/>
+            <a:r>
+              <a:rPr lang="ru-RU" dirty="0" smtClean="0">
+                <a:solidFill>
+                  <a:srgbClr val="FF0000"/>
+                </a:solidFill>
+                <a:latin typeface="Bahnschrift Light SemiCondensed" panose="020B0502040204020203" pitchFamily="34" charset="0"/>
+              </a:rPr>
+              <a:t>  </a:t>
+            </a:r>
+            <a:endParaRPr lang="ru-RU" dirty="0">
+              <a:solidFill>
+                <a:srgbClr val="FF0000"/>
+              </a:solidFill>
+              <a:latin typeface="Bahnschrift Light SemiCondensed" panose="020B0502040204020203" pitchFamily="34" charset="0"/>
+            </a:endParaRPr>
+          </a:p>
+          <a:p>
+            <a:pPr algn="l"/>
+            <a:endParaRPr lang="ru-RU" dirty="0" smtClean="0">
+              <a:solidFill>
+                <a:srgbClr val="FF0000"/>
+              </a:solidFill>
+              <a:latin typeface="Bahnschrift Light SemiCondensed" panose="020B0502040204020203" pitchFamily="34" charset="0"/>
+            </a:endParaRPr>
+          </a:p>
+          <a:p>
+            <a:pPr marL="342900" indent="-342900" algn="l">
+              <a:buFont typeface="Arial" panose="020B0604020202020204" pitchFamily="34" charset="0"/>
+              <a:buChar char="•"/>
+            </a:pPr>
+            <a:endParaRPr lang="ru-RU" dirty="0">
+              <a:solidFill>
+                <a:srgbClr val="FF0000"/>
+              </a:solidFill>
+              <a:latin typeface="Bahnschrift Light SemiCondensed" panose="020B0502040204020203" pitchFamily="34" charset="0"/>
+            </a:endParaRPr>
+          </a:p>
+          <a:p>
+            <a:pPr marL="342900" indent="-342900" algn="l">
+              <a:buFont typeface="Arial" panose="020B0604020202020204" pitchFamily="34" charset="0"/>
+              <a:buChar char="•"/>
+            </a:pPr>
+            <a:endParaRPr lang="ru-RU" dirty="0" smtClean="0">
+              <a:solidFill>
+                <a:srgbClr val="FF0000"/>
+              </a:solidFill>
+              <a:latin typeface="Bahnschrift Light SemiCondensed" panose="020B0502040204020203" pitchFamily="34" charset="0"/>
+            </a:endParaRPr>
+          </a:p>
+          <a:p>
+            <a:endParaRPr lang="ru-RU" dirty="0" smtClean="0"/>
+          </a:p>
+          <a:p>
+            <a:endParaRPr lang="ru-RU" dirty="0" smtClean="0"/>
+          </a:p>
+          <a:p>
+            <a:endParaRPr lang="ru-RU" dirty="0"/>
+          </a:p>
+        </p:txBody>
+      </p:sp>
+      <p:sp>
+        <p:nvSpPr>
+          <p:cNvPr id="8" name="Содержимое 2"/>
+          <p:cNvSpPr txBox="1">
+            <a:spLocks/>
+          </p:cNvSpPr>
+          <p:nvPr/>
+        </p:nvSpPr>
+        <p:spPr>
+          <a:xfrm>
+            <a:off x="3421809" y="1483199"/>
+            <a:ext cx="5072334" cy="2828670"/>
+          </a:xfrm>
+          <a:prstGeom prst="rect">
+            <a:avLst/>
+          </a:prstGeom>
+        </p:spPr>
+        <p:txBody>
+          <a:bodyPr vert="horz" lIns="91440" tIns="45720" rIns="91440" bIns="45720" rtlCol="0">
+            <a:normAutofit lnSpcReduction="10000"/>
+          </a:bodyPr>
+          <a:lstStyle>
+            <a:lvl1pPr marL="0" indent="0" algn="ctr" defTabSz="914400" rtl="0" eaLnBrk="1" latinLnBrk="0" hangingPunct="1">
+              <a:lnSpc>
+                <a:spcPct val="90000"/>
+              </a:lnSpc>
+              <a:spcBef>
+                <a:spcPts val="1000"/>
+              </a:spcBef>
+              <a:buFont typeface="Arial" panose="020B0604020202020204" pitchFamily="34" charset="0"/>
+              <a:buNone/>
+              <a:defRPr sz="2400" kern="1200">
+                <a:solidFill>
+                  <a:schemeClr val="tx1"/>
+                </a:solidFill>
+                <a:latin typeface="+mn-lt"/>
+                <a:ea typeface="+mn-ea"/>
+                <a:cs typeface="+mn-cs"/>
+              </a:defRPr>
+            </a:lvl1pPr>
+            <a:lvl2pPr marL="457200" indent="0" algn="ctr" defTabSz="914400" rtl="0" eaLnBrk="1" latinLnBrk="0" hangingPunct="1">
+              <a:lnSpc>
+                <a:spcPct val="90000"/>
+              </a:lnSpc>
+              <a:spcBef>
+                <a:spcPts val="500"/>
+              </a:spcBef>
+              <a:buFont typeface="Arial" panose="020B0604020202020204" pitchFamily="34" charset="0"/>
+              <a:buNone/>
+              <a:defRPr sz="2000" kern="1200">
+                <a:solidFill>
+                  <a:schemeClr val="tx1"/>
+                </a:solidFill>
+                <a:latin typeface="+mn-lt"/>
+                <a:ea typeface="+mn-ea"/>
+                <a:cs typeface="+mn-cs"/>
+              </a:defRPr>
+            </a:lvl2pPr>
+            <a:lvl3pPr marL="914400" indent="0" algn="ctr" defTabSz="914400" rtl="0" eaLnBrk="1" latinLnBrk="0" hangingPunct="1">
+              <a:lnSpc>
+                <a:spcPct val="90000"/>
+              </a:lnSpc>
+              <a:spcBef>
+                <a:spcPts val="500"/>
+              </a:spcBef>
+              <a:buFont typeface="Arial" panose="020B0604020202020204" pitchFamily="34" charset="0"/>
+              <a:buNone/>
+              <a:defRPr sz="1800" kern="1200">
+                <a:solidFill>
+                  <a:schemeClr val="tx1"/>
+                </a:solidFill>
+                <a:latin typeface="+mn-lt"/>
+                <a:ea typeface="+mn-ea"/>
+                <a:cs typeface="+mn-cs"/>
+              </a:defRPr>
+            </a:lvl3pPr>
+            <a:lvl4pPr marL="1371600" indent="0" algn="ctr" defTabSz="914400" rtl="0" eaLnBrk="1" latinLnBrk="0" hangingPunct="1">
+              <a:lnSpc>
+                <a:spcPct val="90000"/>
+              </a:lnSpc>
+              <a:spcBef>
+                <a:spcPts val="500"/>
+              </a:spcBef>
+              <a:buFont typeface="Arial" panose="020B0604020202020204" pitchFamily="34" charset="0"/>
+              <a:buNone/>
+              <a:defRPr sz="1600" kern="1200">
+                <a:solidFill>
+                  <a:schemeClr val="tx1"/>
+                </a:solidFill>
+                <a:latin typeface="+mn-lt"/>
+                <a:ea typeface="+mn-ea"/>
+                <a:cs typeface="+mn-cs"/>
+              </a:defRPr>
+            </a:lvl4pPr>
+            <a:lvl5pPr marL="1828800" indent="0" algn="ctr" defTabSz="914400" rtl="0" eaLnBrk="1" latinLnBrk="0" hangingPunct="1">
+              <a:lnSpc>
+                <a:spcPct val="90000"/>
+              </a:lnSpc>
+              <a:spcBef>
+                <a:spcPts val="500"/>
+              </a:spcBef>
+              <a:buFont typeface="Arial" panose="020B0604020202020204" pitchFamily="34" charset="0"/>
+              <a:buNone/>
+              <a:defRPr sz="1600" kern="1200">
+                <a:solidFill>
+                  <a:schemeClr val="tx1"/>
+                </a:solidFill>
+                <a:latin typeface="+mn-lt"/>
+                <a:ea typeface="+mn-ea"/>
+                <a:cs typeface="+mn-cs"/>
+              </a:defRPr>
+            </a:lvl5pPr>
+            <a:lvl6pPr marL="2286000" indent="0" algn="ctr" defTabSz="914400" rtl="0" eaLnBrk="1" latinLnBrk="0" hangingPunct="1">
+              <a:lnSpc>
+                <a:spcPct val="90000"/>
+              </a:lnSpc>
+              <a:spcBef>
+                <a:spcPts val="500"/>
+              </a:spcBef>
+              <a:buFont typeface="Arial" panose="020B0604020202020204" pitchFamily="34" charset="0"/>
+              <a:buNone/>
+              <a:defRPr sz="1600" kern="1200">
+                <a:solidFill>
+                  <a:schemeClr val="tx1"/>
+                </a:solidFill>
+                <a:latin typeface="+mn-lt"/>
+                <a:ea typeface="+mn-ea"/>
+                <a:cs typeface="+mn-cs"/>
+              </a:defRPr>
+            </a:lvl6pPr>
+            <a:lvl7pPr marL="2743200" indent="0" algn="ctr" defTabSz="914400" rtl="0" eaLnBrk="1" latinLnBrk="0" hangingPunct="1">
+              <a:lnSpc>
+                <a:spcPct val="90000"/>
+              </a:lnSpc>
+              <a:spcBef>
+                <a:spcPts val="500"/>
+              </a:spcBef>
+              <a:buFont typeface="Arial" panose="020B0604020202020204" pitchFamily="34" charset="0"/>
+              <a:buNone/>
+              <a:defRPr sz="1600" kern="1200">
+                <a:solidFill>
+                  <a:schemeClr val="tx1"/>
+                </a:solidFill>
+                <a:latin typeface="+mn-lt"/>
+                <a:ea typeface="+mn-ea"/>
+                <a:cs typeface="+mn-cs"/>
+              </a:defRPr>
+            </a:lvl7pPr>
+            <a:lvl8pPr marL="3200400" indent="0" algn="ctr" defTabSz="914400" rtl="0" eaLnBrk="1" latinLnBrk="0" hangingPunct="1">
+              <a:lnSpc>
+                <a:spcPct val="90000"/>
+              </a:lnSpc>
+              <a:spcBef>
+                <a:spcPts val="500"/>
+              </a:spcBef>
+              <a:buFont typeface="Arial" panose="020B0604020202020204" pitchFamily="34" charset="0"/>
+              <a:buNone/>
+              <a:defRPr sz="1600" kern="1200">
+                <a:solidFill>
+                  <a:schemeClr val="tx1"/>
+                </a:solidFill>
+                <a:latin typeface="+mn-lt"/>
+                <a:ea typeface="+mn-ea"/>
+                <a:cs typeface="+mn-cs"/>
+              </a:defRPr>
+            </a:lvl8pPr>
+            <a:lvl9pPr marL="3657600" indent="0" algn="ctr" defTabSz="914400" rtl="0" eaLnBrk="1" latinLnBrk="0" hangingPunct="1">
+              <a:lnSpc>
+                <a:spcPct val="90000"/>
+              </a:lnSpc>
+              <a:spcBef>
+                <a:spcPts val="500"/>
+              </a:spcBef>
+              <a:buFont typeface="Arial" panose="020B0604020202020204" pitchFamily="34" charset="0"/>
+              <a:buNone/>
+              <a:defRPr sz="1600" kern="1200">
+                <a:solidFill>
+                  <a:schemeClr val="tx1"/>
+                </a:solidFill>
+                <a:latin typeface="+mn-lt"/>
+                <a:ea typeface="+mn-ea"/>
+                <a:cs typeface="+mn-cs"/>
+              </a:defRPr>
+            </a:lvl9pPr>
+          </a:lstStyle>
+          <a:p>
+            <a:r>
+              <a:rPr lang="ru-RU" dirty="0" smtClean="0">
+                <a:solidFill>
+                  <a:srgbClr val="FF0000"/>
+                </a:solidFill>
+                <a:latin typeface="Bahnschrift Light SemiCondensed" panose="020B0502040204020203" pitchFamily="34" charset="0"/>
+              </a:rPr>
+              <a:t>Для тестирования данного приложения используются четыре методики:</a:t>
+            </a:r>
+          </a:p>
+          <a:p>
+            <a:pPr algn="l"/>
+            <a:endParaRPr lang="ru-RU" dirty="0" smtClean="0">
+              <a:solidFill>
+                <a:srgbClr val="FF0000"/>
+              </a:solidFill>
+              <a:latin typeface="Bahnschrift Light SemiCondensed" panose="020B0502040204020203" pitchFamily="34" charset="0"/>
+            </a:endParaRPr>
+          </a:p>
+          <a:p>
+            <a:pPr marL="342900" indent="-342900" algn="l">
+              <a:buFont typeface="Arial" panose="020B0604020202020204" pitchFamily="34" charset="0"/>
+              <a:buChar char="•"/>
+            </a:pPr>
+            <a:r>
+              <a:rPr lang="ru-RU" dirty="0" smtClean="0">
+                <a:solidFill>
+                  <a:srgbClr val="FF0000"/>
+                </a:solidFill>
+                <a:latin typeface="Bahnschrift Light SemiCondensed" panose="020B0502040204020203" pitchFamily="34" charset="0"/>
+              </a:rPr>
+              <a:t>Модульное тестирование </a:t>
+            </a:r>
+          </a:p>
+          <a:p>
+            <a:pPr marL="342900" indent="-342900" algn="l">
+              <a:buFont typeface="Arial" panose="020B0604020202020204" pitchFamily="34" charset="0"/>
+              <a:buChar char="•"/>
+            </a:pPr>
+            <a:r>
+              <a:rPr lang="ru-RU" dirty="0" smtClean="0">
+                <a:solidFill>
+                  <a:srgbClr val="FF0000"/>
+                </a:solidFill>
+                <a:latin typeface="Bahnschrift Light SemiCondensed" panose="020B0502040204020203" pitchFamily="34" charset="0"/>
+              </a:rPr>
+              <a:t>Интеграционное тестирование </a:t>
+            </a:r>
+          </a:p>
+          <a:p>
+            <a:pPr marL="342900" indent="-342900" algn="l">
+              <a:buFont typeface="Arial" panose="020B0604020202020204" pitchFamily="34" charset="0"/>
+              <a:buChar char="•"/>
+            </a:pPr>
+            <a:r>
+              <a:rPr lang="ru-RU" dirty="0" smtClean="0">
+                <a:solidFill>
+                  <a:srgbClr val="FF0000"/>
+                </a:solidFill>
+                <a:latin typeface="Bahnschrift Light SemiCondensed" panose="020B0502040204020203" pitchFamily="34" charset="0"/>
+              </a:rPr>
+              <a:t>Системное тестирование </a:t>
+            </a:r>
+          </a:p>
+          <a:p>
+            <a:pPr marL="342900" indent="-342900" algn="l">
+              <a:buFont typeface="Arial" panose="020B0604020202020204" pitchFamily="34" charset="0"/>
+              <a:buChar char="•"/>
+            </a:pPr>
+            <a:r>
+              <a:rPr lang="ru-RU" dirty="0" smtClean="0">
+                <a:solidFill>
+                  <a:srgbClr val="FF0000"/>
+                </a:solidFill>
+                <a:latin typeface="Bahnschrift Light SemiCondensed" panose="020B0502040204020203" pitchFamily="34" charset="0"/>
+              </a:rPr>
+              <a:t>Приемочные испытания</a:t>
+            </a:r>
+            <a:endParaRPr lang="ru-RU" dirty="0">
+              <a:solidFill>
+                <a:srgbClr val="FF0000"/>
+              </a:solidFill>
+              <a:latin typeface="Bahnschrift Light SemiCondensed" panose="020B0502040204020203" pitchFamily="34" charset="0"/>
+            </a:endParaRPr>
+          </a:p>
+        </p:txBody>
+      </p:sp>
+    </p:spTree>
+    <p:extLst>
+      <p:ext uri="{BB962C8B-B14F-4D97-AF65-F5344CB8AC3E}">
+        <p14:creationId xmlns:p14="http://schemas.microsoft.com/office/powerpoint/2010/main" val="1513355925"/>
+      </p:ext>
+    </p:extLst>
+  </p:cSld>
+  <p:clrMapOvr>
+    <a:masterClrMapping/>
+  </p:clrMapOvr>
+  <p:timing>
+    <p:tnLst>
+      <p:par>
+        <p:cTn id="1" dur="indefinite" restart="never" nodeType="tmRoot"/>
+      </p:par>
+    </p:tnLst>
+  </p:timing>
+</p:sld>
+</file>
+
+<file path=ppt/slides/slide16.xml><?xml version="1.0" encoding="utf-8"?>
+<p:sld xmlns:a="http://schemas.openxmlformats.org/drawingml/2006/main" xmlns:r="http://schemas.openxmlformats.org/officeDocument/2006/relationships" xmlns:p="http://schemas.openxmlformats.org/presentationml/2006/main">
+  <p:cSld>
+    <p:spTree>
+      <p:nvGrpSpPr>
+        <p:cNvPr id="1" name=""/>
+        <p:cNvGrpSpPr/>
+        <p:nvPr/>
+      </p:nvGrpSpPr>
+      <p:grpSpPr>
+        <a:xfrm>
+          <a:off x="0" y="0"/>
+          <a:ext cx="0" cy="0"/>
+          <a:chOff x="0" y="0"/>
+          <a:chExt cx="0" cy="0"/>
+        </a:xfrm>
+      </p:grpSpPr>
+      <p:sp>
+        <p:nvSpPr>
+          <p:cNvPr id="2" name="Заголовок 1"/>
+          <p:cNvSpPr>
+            <a:spLocks noGrp="1"/>
+          </p:cNvSpPr>
+          <p:nvPr>
+            <p:ph type="ctrTitle"/>
+          </p:nvPr>
+        </p:nvSpPr>
+        <p:spPr>
+          <a:xfrm>
+            <a:off x="2394970" y="624037"/>
+            <a:ext cx="3100057" cy="508593"/>
+          </a:xfrm>
+        </p:spPr>
+        <p:txBody>
+          <a:bodyPr>
+            <a:normAutofit fontScale="90000"/>
+          </a:bodyPr>
+          <a:lstStyle/>
+          <a:p>
+            <a:pPr algn="l"/>
+            <a:r>
+              <a:rPr lang="ru-RU" sz="3200" dirty="0" smtClean="0">
+                <a:solidFill>
+                  <a:srgbClr val="FF0000"/>
+                </a:solidFill>
+                <a:effectLst>
+                  <a:outerShdw blurRad="38100" dist="38100" dir="2700000" algn="tl">
+                    <a:srgbClr val="000000">
+                      <a:alpha val="43137"/>
+                    </a:srgbClr>
+                  </a:outerShdw>
+                </a:effectLst>
+                <a:latin typeface="Bahnschrift Light SemiCondensed" panose="020B0502040204020203" pitchFamily="34" charset="0"/>
+              </a:rPr>
+              <a:t>Заключение</a:t>
+            </a:r>
+            <a:endParaRPr lang="ru-RU" sz="3200" dirty="0">
+              <a:solidFill>
+                <a:srgbClr val="FF0000"/>
+              </a:solidFill>
+              <a:effectLst>
+                <a:outerShdw blurRad="38100" dist="38100" dir="2700000" algn="tl">
+                  <a:srgbClr val="000000">
+                    <a:alpha val="43137"/>
+                  </a:srgbClr>
+                </a:outerShdw>
+              </a:effectLst>
+              <a:latin typeface="Bahnschrift Light SemiCondensed" panose="020B0502040204020203" pitchFamily="34" charset="0"/>
+            </a:endParaRPr>
+          </a:p>
+        </p:txBody>
+      </p:sp>
+      <p:sp>
+        <p:nvSpPr>
+          <p:cNvPr id="7" name="Содержимое 2"/>
+          <p:cNvSpPr txBox="1">
+            <a:spLocks/>
+          </p:cNvSpPr>
+          <p:nvPr/>
+        </p:nvSpPr>
+        <p:spPr>
+          <a:xfrm>
+            <a:off x="1423658" y="2542976"/>
+            <a:ext cx="9811109" cy="2279190"/>
+          </a:xfrm>
+          <a:prstGeom prst="rect">
+            <a:avLst/>
+          </a:prstGeom>
+        </p:spPr>
+        <p:txBody>
+          <a:bodyPr vert="horz" lIns="91440" tIns="45720" rIns="91440" bIns="45720" rtlCol="0">
+            <a:normAutofit/>
+          </a:bodyPr>
+          <a:lstStyle>
+            <a:lvl1pPr marL="0" indent="0" algn="ctr" defTabSz="914400" rtl="0" eaLnBrk="1" latinLnBrk="0" hangingPunct="1">
+              <a:lnSpc>
+                <a:spcPct val="90000"/>
+              </a:lnSpc>
+              <a:spcBef>
+                <a:spcPts val="1000"/>
+              </a:spcBef>
+              <a:buFont typeface="Arial" panose="020B0604020202020204" pitchFamily="34" charset="0"/>
+              <a:buNone/>
+              <a:defRPr sz="2400" kern="1200">
+                <a:solidFill>
+                  <a:schemeClr val="tx1"/>
+                </a:solidFill>
+                <a:latin typeface="+mn-lt"/>
+                <a:ea typeface="+mn-ea"/>
+                <a:cs typeface="+mn-cs"/>
+              </a:defRPr>
+            </a:lvl1pPr>
+            <a:lvl2pPr marL="457200" indent="0" algn="ctr" defTabSz="914400" rtl="0" eaLnBrk="1" latinLnBrk="0" hangingPunct="1">
+              <a:lnSpc>
+                <a:spcPct val="90000"/>
+              </a:lnSpc>
+              <a:spcBef>
+                <a:spcPts val="500"/>
+              </a:spcBef>
+              <a:buFont typeface="Arial" panose="020B0604020202020204" pitchFamily="34" charset="0"/>
+              <a:buNone/>
+              <a:defRPr sz="2000" kern="1200">
+                <a:solidFill>
+                  <a:schemeClr val="tx1"/>
+                </a:solidFill>
+                <a:latin typeface="+mn-lt"/>
+                <a:ea typeface="+mn-ea"/>
+                <a:cs typeface="+mn-cs"/>
+              </a:defRPr>
+            </a:lvl2pPr>
+            <a:lvl3pPr marL="914400" indent="0" algn="ctr" defTabSz="914400" rtl="0" eaLnBrk="1" latinLnBrk="0" hangingPunct="1">
+              <a:lnSpc>
+                <a:spcPct val="90000"/>
+              </a:lnSpc>
+              <a:spcBef>
+                <a:spcPts val="500"/>
+              </a:spcBef>
+              <a:buFont typeface="Arial" panose="020B0604020202020204" pitchFamily="34" charset="0"/>
+              <a:buNone/>
+              <a:defRPr sz="1800" kern="1200">
+                <a:solidFill>
+                  <a:schemeClr val="tx1"/>
+                </a:solidFill>
+                <a:latin typeface="+mn-lt"/>
+                <a:ea typeface="+mn-ea"/>
+                <a:cs typeface="+mn-cs"/>
+              </a:defRPr>
+            </a:lvl3pPr>
+            <a:lvl4pPr marL="1371600" indent="0" algn="ctr" defTabSz="914400" rtl="0" eaLnBrk="1" latinLnBrk="0" hangingPunct="1">
+              <a:lnSpc>
+                <a:spcPct val="90000"/>
+              </a:lnSpc>
+              <a:spcBef>
+                <a:spcPts val="500"/>
+              </a:spcBef>
+              <a:buFont typeface="Arial" panose="020B0604020202020204" pitchFamily="34" charset="0"/>
+              <a:buNone/>
+              <a:defRPr sz="1600" kern="1200">
+                <a:solidFill>
+                  <a:schemeClr val="tx1"/>
+                </a:solidFill>
+                <a:latin typeface="+mn-lt"/>
+                <a:ea typeface="+mn-ea"/>
+                <a:cs typeface="+mn-cs"/>
+              </a:defRPr>
+            </a:lvl4pPr>
+            <a:lvl5pPr marL="1828800" indent="0" algn="ctr" defTabSz="914400" rtl="0" eaLnBrk="1" latinLnBrk="0" hangingPunct="1">
+              <a:lnSpc>
+                <a:spcPct val="90000"/>
+              </a:lnSpc>
+              <a:spcBef>
+                <a:spcPts val="500"/>
+              </a:spcBef>
+              <a:buFont typeface="Arial" panose="020B0604020202020204" pitchFamily="34" charset="0"/>
+              <a:buNone/>
+              <a:defRPr sz="1600" kern="1200">
+                <a:solidFill>
+                  <a:schemeClr val="tx1"/>
+                </a:solidFill>
+                <a:latin typeface="+mn-lt"/>
+                <a:ea typeface="+mn-ea"/>
+                <a:cs typeface="+mn-cs"/>
+              </a:defRPr>
+            </a:lvl5pPr>
+            <a:lvl6pPr marL="2286000" indent="0" algn="ctr" defTabSz="914400" rtl="0" eaLnBrk="1" latinLnBrk="0" hangingPunct="1">
+              <a:lnSpc>
+                <a:spcPct val="90000"/>
+              </a:lnSpc>
+              <a:spcBef>
+                <a:spcPts val="500"/>
+              </a:spcBef>
+              <a:buFont typeface="Arial" panose="020B0604020202020204" pitchFamily="34" charset="0"/>
+              <a:buNone/>
+              <a:defRPr sz="1600" kern="1200">
+                <a:solidFill>
+                  <a:schemeClr val="tx1"/>
+                </a:solidFill>
+                <a:latin typeface="+mn-lt"/>
+                <a:ea typeface="+mn-ea"/>
+                <a:cs typeface="+mn-cs"/>
+              </a:defRPr>
+            </a:lvl6pPr>
+            <a:lvl7pPr marL="2743200" indent="0" algn="ctr" defTabSz="914400" rtl="0" eaLnBrk="1" latinLnBrk="0" hangingPunct="1">
+              <a:lnSpc>
+                <a:spcPct val="90000"/>
+              </a:lnSpc>
+              <a:spcBef>
+                <a:spcPts val="500"/>
+              </a:spcBef>
+              <a:buFont typeface="Arial" panose="020B0604020202020204" pitchFamily="34" charset="0"/>
+              <a:buNone/>
+              <a:defRPr sz="1600" kern="1200">
+                <a:solidFill>
+                  <a:schemeClr val="tx1"/>
+                </a:solidFill>
+                <a:latin typeface="+mn-lt"/>
+                <a:ea typeface="+mn-ea"/>
+                <a:cs typeface="+mn-cs"/>
+              </a:defRPr>
+            </a:lvl7pPr>
+            <a:lvl8pPr marL="3200400" indent="0" algn="ctr" defTabSz="914400" rtl="0" eaLnBrk="1" latinLnBrk="0" hangingPunct="1">
+              <a:lnSpc>
+                <a:spcPct val="90000"/>
+              </a:lnSpc>
+              <a:spcBef>
+                <a:spcPts val="500"/>
+              </a:spcBef>
+              <a:buFont typeface="Arial" panose="020B0604020202020204" pitchFamily="34" charset="0"/>
+              <a:buNone/>
+              <a:defRPr sz="1600" kern="1200">
+                <a:solidFill>
+                  <a:schemeClr val="tx1"/>
+                </a:solidFill>
+                <a:latin typeface="+mn-lt"/>
+                <a:ea typeface="+mn-ea"/>
+                <a:cs typeface="+mn-cs"/>
+              </a:defRPr>
+            </a:lvl8pPr>
+            <a:lvl9pPr marL="3657600" indent="0" algn="ctr" defTabSz="914400" rtl="0" eaLnBrk="1" latinLnBrk="0" hangingPunct="1">
+              <a:lnSpc>
+                <a:spcPct val="90000"/>
+              </a:lnSpc>
+              <a:spcBef>
+                <a:spcPts val="500"/>
+              </a:spcBef>
+              <a:buFont typeface="Arial" panose="020B0604020202020204" pitchFamily="34" charset="0"/>
+              <a:buNone/>
+              <a:defRPr sz="1600" kern="1200">
+                <a:solidFill>
+                  <a:schemeClr val="tx1"/>
+                </a:solidFill>
+                <a:latin typeface="+mn-lt"/>
+                <a:ea typeface="+mn-ea"/>
+                <a:cs typeface="+mn-cs"/>
+              </a:defRPr>
+            </a:lvl9pPr>
+          </a:lstStyle>
+          <a:p>
+            <a:pPr marL="342900" indent="-342900" algn="l">
+              <a:buFont typeface="Arial" panose="020B0604020202020204" pitchFamily="34" charset="0"/>
+              <a:buChar char="•"/>
+            </a:pPr>
+            <a:r>
+              <a:rPr lang="ru-RU" dirty="0" smtClean="0">
+                <a:solidFill>
+                  <a:srgbClr val="FF0000"/>
+                </a:solidFill>
+                <a:latin typeface="Bahnschrift Light SemiCondensed" panose="020B0502040204020203" pitchFamily="34" charset="0"/>
+              </a:rPr>
+              <a:t>Провел анализ предметной области и аналогов системы</a:t>
+            </a:r>
+          </a:p>
+          <a:p>
+            <a:pPr marL="342900" indent="-342900" algn="l">
+              <a:buFont typeface="Arial" panose="020B0604020202020204" pitchFamily="34" charset="0"/>
+              <a:buChar char="•"/>
+            </a:pPr>
+            <a:r>
+              <a:rPr lang="ru-RU" dirty="0" smtClean="0">
+                <a:solidFill>
+                  <a:srgbClr val="FF0000"/>
+                </a:solidFill>
+                <a:latin typeface="Bahnschrift Light SemiCondensed" panose="020B0502040204020203" pitchFamily="34" charset="0"/>
+              </a:rPr>
+              <a:t>Изучил структуру работы на предприятии</a:t>
+            </a:r>
+          </a:p>
+          <a:p>
+            <a:pPr marL="342900" indent="-342900" algn="l">
+              <a:buFont typeface="Arial" panose="020B0604020202020204" pitchFamily="34" charset="0"/>
+              <a:buChar char="•"/>
+            </a:pPr>
+            <a:r>
+              <a:rPr lang="ru-RU" dirty="0" smtClean="0">
+                <a:solidFill>
+                  <a:srgbClr val="FF0000"/>
+                </a:solidFill>
+                <a:latin typeface="Bahnschrift Light SemiCondensed" panose="020B0502040204020203" pitchFamily="34" charset="0"/>
+              </a:rPr>
+              <a:t>Реализовал веб-приложение с </a:t>
+            </a:r>
+            <a:r>
+              <a:rPr lang="ru-RU" dirty="0" err="1" smtClean="0">
+                <a:solidFill>
+                  <a:srgbClr val="FF0000"/>
+                </a:solidFill>
+                <a:latin typeface="Bahnschrift Light SemiCondensed" panose="020B0502040204020203" pitchFamily="34" charset="0"/>
+              </a:rPr>
+              <a:t>микрофронтендой</a:t>
+            </a:r>
+            <a:r>
+              <a:rPr lang="ru-RU" dirty="0" smtClean="0">
+                <a:solidFill>
+                  <a:srgbClr val="FF0000"/>
+                </a:solidFill>
+                <a:latin typeface="Bahnschrift Light SemiCondensed" panose="020B0502040204020203" pitchFamily="34" charset="0"/>
+              </a:rPr>
+              <a:t> архитектурой</a:t>
+            </a:r>
+          </a:p>
+          <a:p>
+            <a:pPr marL="342900" indent="-342900" algn="l">
+              <a:buFont typeface="Arial" panose="020B0604020202020204" pitchFamily="34" charset="0"/>
+              <a:buChar char="•"/>
+            </a:pPr>
+            <a:r>
+              <a:rPr lang="ru-RU" dirty="0" smtClean="0">
+                <a:solidFill>
+                  <a:srgbClr val="FF0000"/>
+                </a:solidFill>
+                <a:latin typeface="Bahnschrift Light SemiCondensed" panose="020B0502040204020203" pitchFamily="34" charset="0"/>
+              </a:rPr>
+              <a:t>Выполнил тестирование приложения с использованием разных методик</a:t>
+            </a:r>
+            <a:endParaRPr lang="ru-RU" dirty="0">
+              <a:solidFill>
+                <a:srgbClr val="FF0000"/>
+              </a:solidFill>
+              <a:latin typeface="Bahnschrift Light SemiCondensed" panose="020B0502040204020203" pitchFamily="34" charset="0"/>
+            </a:endParaRPr>
+          </a:p>
+        </p:txBody>
+      </p:sp>
+      <p:pic>
+        <p:nvPicPr>
+          <p:cNvPr id="4104" name="Picture 8" descr="Картинки по запросу &quot;финиш flat png&quot;"/>
+          <p:cNvPicPr>
+            <a:picLocks noChangeAspect="1" noChangeArrowheads="1"/>
+          </p:cNvPicPr>
+          <p:nvPr/>
+        </p:nvPicPr>
+        <p:blipFill>
+          <a:blip r:embed="rId2" cstate="print">
+            <a:extLst>
+              <a:ext uri="{28A0092B-C50C-407E-A947-70E740481C1C}">
+                <a14:useLocalDpi xmlns:a14="http://schemas.microsoft.com/office/drawing/2010/main" val="0"/>
+              </a:ext>
+            </a:extLst>
+          </a:blip>
+          <a:srcRect/>
+          <a:stretch>
+            <a:fillRect/>
+          </a:stretch>
+        </p:blipFill>
+        <p:spPr bwMode="auto">
+          <a:xfrm>
+            <a:off x="1152137" y="256916"/>
+            <a:ext cx="1242833" cy="1242833"/>
+          </a:xfrm>
+          <a:prstGeom prst="rect">
+            <a:avLst/>
+          </a:prstGeom>
+          <a:noFill/>
+          <a:extLst>
+            <a:ext uri="{909E8E84-426E-40DD-AFC4-6F175D3DCCD1}">
+              <a14:hiddenFill xmlns:a14="http://schemas.microsoft.com/office/drawing/2010/main">
+                <a:solidFill>
+                  <a:srgbClr val="FFFFFF"/>
+                </a:solidFill>
+              </a14:hiddenFill>
+            </a:ext>
+          </a:extLst>
+        </p:spPr>
+      </p:pic>
+    </p:spTree>
+    <p:extLst>
+      <p:ext uri="{BB962C8B-B14F-4D97-AF65-F5344CB8AC3E}">
+        <p14:creationId xmlns:p14="http://schemas.microsoft.com/office/powerpoint/2010/main" val="706987597"/>
+      </p:ext>
+    </p:extLst>
+  </p:cSld>
+  <p:clrMapOvr>
+    <a:masterClrMapping/>
+  </p:clrMapOvr>
+  <p:timing>
+    <p:tnLst>
+      <p:par>
+        <p:cTn id="1" dur="indefinite" restart="never" nodeType="tmRoot"/>
+      </p:par>
+    </p:tnLst>
+  </p:timing>
+</p:sld>
+</file>
+
+<file path=ppt/slides/slide17.xml><?xml version="1.0" encoding="utf-8"?>
+<p:sld xmlns:a="http://schemas.openxmlformats.org/drawingml/2006/main" xmlns:r="http://schemas.openxmlformats.org/officeDocument/2006/relationships" xmlns:p="http://schemas.openxmlformats.org/presentationml/2006/main">
+  <p:cSld>
+    <p:spTree>
+      <p:nvGrpSpPr>
+        <p:cNvPr id="1" name=""/>
+        <p:cNvGrpSpPr/>
+        <p:nvPr/>
+      </p:nvGrpSpPr>
+      <p:grpSpPr>
+        <a:xfrm>
+          <a:off x="0" y="0"/>
+          <a:ext cx="0" cy="0"/>
+          <a:chOff x="0" y="0"/>
+          <a:chExt cx="0" cy="0"/>
+        </a:xfrm>
+      </p:grpSpPr>
+      <p:sp>
+        <p:nvSpPr>
           <p:cNvPr id="5" name="Прямоугольник 4"/>
           <p:cNvSpPr/>
           <p:nvPr/>
@@ -8767,7 +9063,7 @@
     </p:spTree>
     <p:extLst>
       <p:ext uri="{BB962C8B-B14F-4D97-AF65-F5344CB8AC3E}">
-        <p14:creationId xmlns:p14="http://schemas.microsoft.com/office/powerpoint/2010/main" val="1513355925"/>
+        <p14:creationId xmlns:p14="http://schemas.microsoft.com/office/powerpoint/2010/main" val="2862557543"/>
       </p:ext>
     </p:extLst>
   </p:cSld>
@@ -14242,7 +14538,7 @@
         </p:blipFill>
         <p:spPr>
           <a:xfrm>
-            <a:off x="1107315" y="1683889"/>
+            <a:off x="911314" y="1298034"/>
             <a:ext cx="9931621" cy="4782473"/>
           </a:xfrm>
           <a:prstGeom prst="rect">
@@ -14260,7 +14556,7 @@
         </p:nvSpPr>
         <p:spPr>
           <a:xfrm>
-            <a:off x="2481232" y="664599"/>
+            <a:off x="2081560" y="475512"/>
             <a:ext cx="8186768" cy="508593"/>
           </a:xfrm>
           <a:prstGeom prst="rect">
@@ -14410,7 +14706,7 @@
         </p:blipFill>
         <p:spPr bwMode="auto">
           <a:xfrm>
-            <a:off x="1524000" y="540911"/>
+            <a:off x="1325592" y="286614"/>
             <a:ext cx="755968" cy="755968"/>
           </a:xfrm>
           <a:prstGeom prst="rect">
@@ -14428,6 +14724,95 @@
           </a:extLst>
         </p:spPr>
       </p:pic>
+      <p:sp>
+        <p:nvSpPr>
+          <p:cNvPr id="8" name="TextBox 7"/>
+          <p:cNvSpPr txBox="1"/>
+          <p:nvPr/>
+        </p:nvSpPr>
+        <p:spPr>
+          <a:xfrm>
+            <a:off x="1885632" y="6211669"/>
+            <a:ext cx="7982983" cy="646331"/>
+          </a:xfrm>
+          <a:prstGeom prst="rect">
+            <a:avLst/>
+          </a:prstGeom>
+          <a:noFill/>
+        </p:spPr>
+        <p:txBody>
+          <a:bodyPr wrap="square" rtlCol="0">
+            <a:spAutoFit/>
+          </a:bodyPr>
+          <a:lstStyle/>
+          <a:p>
+            <a:pPr algn="ctr"/>
+            <a:r>
+              <a:rPr lang="ru-RU" dirty="0" smtClean="0">
+                <a:solidFill>
+                  <a:srgbClr val="FF0000"/>
+                </a:solidFill>
+                <a:latin typeface="Bahnschrift Light SemiCondensed" panose="020B0502040204020203" pitchFamily="34" charset="0"/>
+              </a:rPr>
+              <a:t>Главная страница </a:t>
+            </a:r>
+            <a:r>
+              <a:rPr lang="en-US" dirty="0" smtClean="0">
+                <a:solidFill>
+                  <a:srgbClr val="FF0000"/>
+                </a:solidFill>
+                <a:latin typeface="Bahnschrift Light SemiCondensed" panose="020B0502040204020203" pitchFamily="34" charset="0"/>
+              </a:rPr>
+              <a:t>“YouTube”</a:t>
+            </a:r>
+            <a:r>
+              <a:rPr lang="ru-RU" dirty="0" smtClean="0">
+                <a:solidFill>
+                  <a:srgbClr val="FF0000"/>
+                </a:solidFill>
+                <a:latin typeface="Bahnschrift Light SemiCondensed" panose="020B0502040204020203" pitchFamily="34" charset="0"/>
+              </a:rPr>
+              <a:t>,</a:t>
+            </a:r>
+            <a:r>
+              <a:rPr lang="en-US" dirty="0" smtClean="0">
+                <a:solidFill>
+                  <a:srgbClr val="FF0000"/>
+                </a:solidFill>
+                <a:latin typeface="Bahnschrift Light SemiCondensed" panose="020B0502040204020203" pitchFamily="34" charset="0"/>
+              </a:rPr>
+              <a:t> </a:t>
+            </a:r>
+            <a:r>
+              <a:rPr lang="ru-RU" dirty="0" smtClean="0">
+                <a:solidFill>
+                  <a:srgbClr val="FF0000"/>
+                </a:solidFill>
+                <a:latin typeface="Bahnschrift Light SemiCondensed" panose="020B0502040204020203" pitchFamily="34" charset="0"/>
+              </a:rPr>
+              <a:t>на основе </a:t>
+            </a:r>
+            <a:r>
+              <a:rPr lang="ru-RU" dirty="0" err="1" smtClean="0">
+                <a:solidFill>
+                  <a:srgbClr val="FF0000"/>
+                </a:solidFill>
+                <a:latin typeface="Bahnschrift Light SemiCondensed" panose="020B0502040204020203" pitchFamily="34" charset="0"/>
+              </a:rPr>
+              <a:t>микрофронтендов</a:t>
+            </a:r>
+            <a:endParaRPr lang="ru-RU" dirty="0">
+              <a:solidFill>
+                <a:srgbClr val="FF0000"/>
+              </a:solidFill>
+              <a:latin typeface="Bahnschrift Light SemiCondensed" panose="020B0502040204020203" pitchFamily="34" charset="0"/>
+            </a:endParaRPr>
+          </a:p>
+          <a:p>
+            <a:endParaRPr lang="ru-RU" dirty="0"/>
+          </a:p>
+        </p:txBody>
+      </p:sp>
     </p:spTree>
     <p:extLst>
       <p:ext uri="{BB962C8B-B14F-4D97-AF65-F5344CB8AC3E}">
@@ -14465,55 +14850,6 @@
           <a:chExt cx="0" cy="0"/>
         </a:xfrm>
       </p:grpSpPr>
-      <p:sp>
-        <p:nvSpPr>
-          <p:cNvPr id="5" name="Прямоугольник 4"/>
-          <p:cNvSpPr/>
-          <p:nvPr/>
-        </p:nvSpPr>
-        <p:spPr>
-          <a:xfrm>
-            <a:off x="0" y="0"/>
-            <a:ext cx="12192000" cy="6858000"/>
-          </a:xfrm>
-          <a:prstGeom prst="rect">
-            <a:avLst/>
-          </a:prstGeom>
-          <a:solidFill>
-            <a:schemeClr val="tx1">
-              <a:lumMod val="85000"/>
-              <a:lumOff val="15000"/>
-            </a:schemeClr>
-          </a:solidFill>
-        </p:spPr>
-        <p:style>
-          <a:lnRef idx="2">
-            <a:schemeClr val="accent1">
-              <a:shade val="50000"/>
-            </a:schemeClr>
-          </a:lnRef>
-          <a:fillRef idx="1">
-            <a:schemeClr val="accent1"/>
-          </a:fillRef>
-          <a:effectRef idx="0">
-            <a:schemeClr val="accent1"/>
-          </a:effectRef>
-          <a:fontRef idx="minor">
-            <a:schemeClr val="lt1"/>
-          </a:fontRef>
-        </p:style>
-        <p:txBody>
-          <a:bodyPr rtlCol="0" anchor="ctr"/>
-          <a:lstStyle/>
-          <a:p>
-            <a:pPr marL="285750" indent="-285750" algn="ctr">
-              <a:buFont typeface="Arial" panose="020B0604020202020204" pitchFamily="34" charset="0"/>
-              <a:buChar char="•"/>
-            </a:pPr>
-            <a:endParaRPr lang="ru-RU" dirty="0"/>
-          </a:p>
-        </p:txBody>
-      </p:sp>
       <p:pic>
         <p:nvPicPr>
           <p:cNvPr id="4" name="Рисунок 3"/>
@@ -14536,14 +14872,249 @@
         </p:blipFill>
         <p:spPr>
           <a:xfrm>
-            <a:off x="0" y="0"/>
-            <a:ext cx="12192000" cy="6858000"/>
+            <a:off x="899685" y="1309150"/>
+            <a:ext cx="9954883" cy="4782473"/>
           </a:xfrm>
           <a:prstGeom prst="rect">
             <a:avLst/>
           </a:prstGeom>
         </p:spPr>
       </p:pic>
+      <p:pic>
+        <p:nvPicPr>
+          <p:cNvPr id="2052" name="Picture 4" descr="Картинки по запросу &quot;eyes flat png red&quot;"/>
+          <p:cNvPicPr>
+            <a:picLocks noChangeAspect="1" noChangeArrowheads="1"/>
+          </p:cNvPicPr>
+          <p:nvPr/>
+        </p:nvPicPr>
+        <p:blipFill>
+          <a:blip r:embed="rId3" cstate="print">
+            <a:extLst>
+              <a:ext uri="{28A0092B-C50C-407E-A947-70E740481C1C}">
+                <a14:useLocalDpi xmlns:a14="http://schemas.microsoft.com/office/drawing/2010/main" val="0"/>
+              </a:ext>
+            </a:extLst>
+          </a:blip>
+          <a:srcRect/>
+          <a:stretch>
+            <a:fillRect/>
+          </a:stretch>
+        </p:blipFill>
+        <p:spPr bwMode="auto">
+          <a:xfrm>
+            <a:off x="1233878" y="293299"/>
+            <a:ext cx="724618" cy="724618"/>
+          </a:xfrm>
+          <a:prstGeom prst="rect">
+            <a:avLst/>
+          </a:prstGeom>
+          <a:noFill/>
+          <a:extLst>
+            <a:ext uri="{909E8E84-426E-40DD-AFC4-6F175D3DCCD1}">
+              <a14:hiddenFill xmlns:a14="http://schemas.microsoft.com/office/drawing/2010/main">
+                <a:solidFill>
+                  <a:srgbClr val="FFFFFF"/>
+                </a:solidFill>
+              </a14:hiddenFill>
+            </a:ext>
+          </a:extLst>
+        </p:spPr>
+      </p:pic>
+      <p:sp>
+        <p:nvSpPr>
+          <p:cNvPr id="6" name="Заголовок 1"/>
+          <p:cNvSpPr>
+            <a:spLocks noGrp="1"/>
+          </p:cNvSpPr>
+          <p:nvPr>
+            <p:ph type="ctrTitle"/>
+          </p:nvPr>
+        </p:nvSpPr>
+        <p:spPr>
+          <a:xfrm>
+            <a:off x="2058536" y="401311"/>
+            <a:ext cx="8620965" cy="508593"/>
+          </a:xfrm>
+        </p:spPr>
+        <p:txBody>
+          <a:bodyPr>
+            <a:normAutofit fontScale="90000"/>
+          </a:bodyPr>
+          <a:lstStyle/>
+          <a:p>
+            <a:pPr algn="l"/>
+            <a:r>
+              <a:rPr lang="ru-RU" sz="3200" dirty="0" smtClean="0">
+                <a:solidFill>
+                  <a:srgbClr val="FF0000"/>
+                </a:solidFill>
+                <a:effectLst>
+                  <a:outerShdw blurRad="38100" dist="38100" dir="2700000" algn="tl">
+                    <a:srgbClr val="000000">
+                      <a:alpha val="43137"/>
+                    </a:srgbClr>
+                  </a:outerShdw>
+                </a:effectLst>
+                <a:latin typeface="Bahnschrift Light SemiCondensed" panose="020B0502040204020203" pitchFamily="34" charset="0"/>
+              </a:rPr>
+              <a:t>Демонстрация веб-интерфейса </a:t>
+            </a:r>
+            <a:r>
+              <a:rPr lang="ru-RU" sz="3200" dirty="0" err="1" smtClean="0">
+                <a:solidFill>
+                  <a:srgbClr val="FF0000"/>
+                </a:solidFill>
+                <a:effectLst>
+                  <a:outerShdw blurRad="38100" dist="38100" dir="2700000" algn="tl">
+                    <a:srgbClr val="000000">
+                      <a:alpha val="43137"/>
+                    </a:srgbClr>
+                  </a:outerShdw>
+                </a:effectLst>
+                <a:latin typeface="Bahnschrift Light SemiCondensed" panose="020B0502040204020203" pitchFamily="34" charset="0"/>
+              </a:rPr>
+              <a:t>микрофронтенда</a:t>
+            </a:r>
+            <a:r>
+              <a:rPr lang="ru-RU" sz="3200" dirty="0" smtClean="0">
+                <a:solidFill>
+                  <a:srgbClr val="FF0000"/>
+                </a:solidFill>
+                <a:effectLst>
+                  <a:outerShdw blurRad="38100" dist="38100" dir="2700000" algn="tl">
+                    <a:srgbClr val="000000">
+                      <a:alpha val="43137"/>
+                    </a:srgbClr>
+                  </a:outerShdw>
+                </a:effectLst>
+                <a:latin typeface="Bahnschrift Light SemiCondensed" panose="020B0502040204020203" pitchFamily="34" charset="0"/>
+              </a:rPr>
+              <a:t>:</a:t>
+            </a:r>
+            <a:endParaRPr lang="ru-RU" sz="3200" dirty="0">
+              <a:solidFill>
+                <a:srgbClr val="FF0000"/>
+              </a:solidFill>
+              <a:effectLst>
+                <a:outerShdw blurRad="38100" dist="38100" dir="2700000" algn="tl">
+                  <a:srgbClr val="000000">
+                    <a:alpha val="43137"/>
+                  </a:srgbClr>
+                </a:outerShdw>
+              </a:effectLst>
+              <a:latin typeface="Bahnschrift Light SemiCondensed" panose="020B0502040204020203" pitchFamily="34" charset="0"/>
+            </a:endParaRPr>
+          </a:p>
+        </p:txBody>
+      </p:sp>
+      <p:sp>
+        <p:nvSpPr>
+          <p:cNvPr id="8" name="TextBox 7"/>
+          <p:cNvSpPr txBox="1"/>
+          <p:nvPr/>
+        </p:nvSpPr>
+        <p:spPr>
+          <a:xfrm>
+            <a:off x="1885634" y="6211669"/>
+            <a:ext cx="7982983" cy="646331"/>
+          </a:xfrm>
+          <a:prstGeom prst="rect">
+            <a:avLst/>
+          </a:prstGeom>
+          <a:noFill/>
+        </p:spPr>
+        <p:txBody>
+          <a:bodyPr wrap="square" rtlCol="0">
+            <a:spAutoFit/>
+          </a:bodyPr>
+          <a:lstStyle/>
+          <a:p>
+            <a:pPr algn="ctr"/>
+            <a:r>
+              <a:rPr lang="ru-RU" dirty="0" smtClean="0">
+                <a:solidFill>
+                  <a:srgbClr val="FF0000"/>
+                </a:solidFill>
+                <a:latin typeface="Bahnschrift Light SemiCondensed" panose="020B0502040204020203" pitchFamily="34" charset="0"/>
+              </a:rPr>
+              <a:t>Страница авторизации </a:t>
+            </a:r>
+            <a:r>
+              <a:rPr lang="en-US" dirty="0" smtClean="0">
+                <a:solidFill>
+                  <a:srgbClr val="FF0000"/>
+                </a:solidFill>
+                <a:latin typeface="Bahnschrift Light SemiCondensed" panose="020B0502040204020203" pitchFamily="34" charset="0"/>
+              </a:rPr>
+              <a:t>“B2B</a:t>
+            </a:r>
+            <a:r>
+              <a:rPr lang="ru-RU" dirty="0" smtClean="0">
+                <a:solidFill>
+                  <a:srgbClr val="FF0000"/>
+                </a:solidFill>
+                <a:latin typeface="Bahnschrift Light SemiCondensed" panose="020B0502040204020203" pitchFamily="34" charset="0"/>
+              </a:rPr>
+              <a:t> Согласие</a:t>
+            </a:r>
+            <a:r>
+              <a:rPr lang="en-US" dirty="0" smtClean="0">
+                <a:solidFill>
+                  <a:srgbClr val="FF0000"/>
+                </a:solidFill>
+                <a:latin typeface="Bahnschrift Light SemiCondensed" panose="020B0502040204020203" pitchFamily="34" charset="0"/>
+              </a:rPr>
+              <a:t>”</a:t>
+            </a:r>
+            <a:r>
+              <a:rPr lang="ru-RU" dirty="0" smtClean="0">
+                <a:solidFill>
+                  <a:srgbClr val="FF0000"/>
+                </a:solidFill>
+                <a:latin typeface="Bahnschrift Light SemiCondensed" panose="020B0502040204020203" pitchFamily="34" charset="0"/>
+              </a:rPr>
+              <a:t>,</a:t>
+            </a:r>
+            <a:r>
+              <a:rPr lang="en-US" dirty="0" smtClean="0">
+                <a:solidFill>
+                  <a:srgbClr val="FF0000"/>
+                </a:solidFill>
+                <a:latin typeface="Bahnschrift Light SemiCondensed" panose="020B0502040204020203" pitchFamily="34" charset="0"/>
+              </a:rPr>
+              <a:t> </a:t>
+            </a:r>
+            <a:r>
+              <a:rPr lang="ru-RU" dirty="0" smtClean="0">
+                <a:solidFill>
+                  <a:srgbClr val="FF0000"/>
+                </a:solidFill>
+                <a:latin typeface="Bahnschrift Light SemiCondensed" panose="020B0502040204020203" pitchFamily="34" charset="0"/>
+              </a:rPr>
+              <a:t>на основе </a:t>
+            </a:r>
+            <a:r>
+              <a:rPr lang="ru-RU" dirty="0" err="1" smtClean="0">
+                <a:solidFill>
+                  <a:srgbClr val="FF0000"/>
+                </a:solidFill>
+                <a:latin typeface="Bahnschrift Light SemiCondensed" panose="020B0502040204020203" pitchFamily="34" charset="0"/>
+              </a:rPr>
+              <a:t>микрофронтендов</a:t>
+            </a:r>
+            <a:endParaRPr lang="ru-RU" dirty="0">
+              <a:solidFill>
+                <a:srgbClr val="FF0000"/>
+              </a:solidFill>
+              <a:latin typeface="Bahnschrift Light SemiCondensed" panose="020B0502040204020203" pitchFamily="34" charset="0"/>
+            </a:endParaRPr>
+          </a:p>
+          <a:p>
+            <a:endParaRPr lang="ru-RU" dirty="0"/>
+          </a:p>
+        </p:txBody>
+      </p:sp>
     </p:spTree>
     <p:extLst>
       <p:ext uri="{BB962C8B-B14F-4D97-AF65-F5344CB8AC3E}">
@@ -14581,79 +15152,288 @@
           <a:chExt cx="0" cy="0"/>
         </a:xfrm>
       </p:grpSpPr>
-      <p:sp>
-        <p:nvSpPr>
-          <p:cNvPr id="5" name="Прямоугольник 4"/>
-          <p:cNvSpPr/>
+      <p:pic>
+        <p:nvPicPr>
+          <p:cNvPr id="1026" name="Picture 2" descr="Картинки по запросу &quot;gear flat png red&quot;"/>
+          <p:cNvPicPr>
+            <a:picLocks noChangeAspect="1" noChangeArrowheads="1"/>
+          </p:cNvPicPr>
           <p:nvPr/>
-        </p:nvSpPr>
-        <p:spPr>
-          <a:xfrm>
-            <a:off x="0" y="0"/>
-            <a:ext cx="12192000" cy="6858000"/>
+        </p:nvPicPr>
+        <p:blipFill>
+          <a:blip r:embed="rId2" cstate="print">
+            <a:extLst>
+              <a:ext uri="{28A0092B-C50C-407E-A947-70E740481C1C}">
+                <a14:useLocalDpi xmlns:a14="http://schemas.microsoft.com/office/drawing/2010/main" val="0"/>
+              </a:ext>
+            </a:extLst>
+          </a:blip>
+          <a:srcRect/>
+          <a:stretch>
+            <a:fillRect/>
+          </a:stretch>
+        </p:blipFill>
+        <p:spPr bwMode="auto">
+          <a:xfrm>
+            <a:off x="1233878" y="355600"/>
+            <a:ext cx="831612" cy="831612"/>
           </a:xfrm>
           <a:prstGeom prst="rect">
             <a:avLst/>
           </a:prstGeom>
-          <a:solidFill>
-            <a:schemeClr val="tx1">
-              <a:lumMod val="85000"/>
-              <a:lumOff val="15000"/>
-            </a:schemeClr>
-          </a:solidFill>
-        </p:spPr>
-        <p:style>
-          <a:lnRef idx="2">
-            <a:schemeClr val="accent1">
-              <a:shade val="50000"/>
-            </a:schemeClr>
-          </a:lnRef>
-          <a:fillRef idx="1">
-            <a:schemeClr val="accent1"/>
-          </a:fillRef>
-          <a:effectRef idx="0">
-            <a:schemeClr val="accent1"/>
-          </a:effectRef>
-          <a:fontRef idx="minor">
-            <a:schemeClr val="lt1"/>
-          </a:fontRef>
-        </p:style>
-        <p:txBody>
-          <a:bodyPr rtlCol="0" anchor="ctr"/>
+          <a:noFill/>
+          <a:extLst>
+            <a:ext uri="{909E8E84-426E-40DD-AFC4-6F175D3DCCD1}">
+              <a14:hiddenFill xmlns:a14="http://schemas.microsoft.com/office/drawing/2010/main">
+                <a:solidFill>
+                  <a:srgbClr val="FFFFFF"/>
+                </a:solidFill>
+              </a14:hiddenFill>
+            </a:ext>
+          </a:extLst>
+        </p:spPr>
+      </p:pic>
+      <p:sp>
+        <p:nvSpPr>
+          <p:cNvPr id="6" name="Заголовок 1"/>
+          <p:cNvSpPr>
+            <a:spLocks noGrp="1"/>
+          </p:cNvSpPr>
+          <p:nvPr>
+            <p:ph type="ctrTitle"/>
+          </p:nvPr>
+        </p:nvSpPr>
+        <p:spPr>
+          <a:xfrm>
+            <a:off x="2205185" y="517109"/>
+            <a:ext cx="8620965" cy="508593"/>
+          </a:xfrm>
+        </p:spPr>
+        <p:txBody>
+          <a:bodyPr>
+            <a:normAutofit fontScale="90000"/>
+          </a:bodyPr>
           <a:lstStyle/>
           <a:p>
-            <a:pPr marL="285750" indent="-285750" algn="ctr">
-              <a:buFont typeface="Arial" panose="020B0604020202020204" pitchFamily="34" charset="0"/>
-              <a:buChar char="•"/>
-            </a:pPr>
-            <a:endParaRPr lang="ru-RU" dirty="0"/>
+            <a:pPr algn="l"/>
+            <a:r>
+              <a:rPr lang="ru-RU" sz="3200" dirty="0" smtClean="0">
+                <a:solidFill>
+                  <a:srgbClr val="FF0000"/>
+                </a:solidFill>
+                <a:effectLst>
+                  <a:outerShdw blurRad="38100" dist="38100" dir="2700000" algn="tl">
+                    <a:srgbClr val="000000">
+                      <a:alpha val="43137"/>
+                    </a:srgbClr>
+                  </a:outerShdw>
+                </a:effectLst>
+                <a:latin typeface="Bahnschrift Light SemiCondensed" panose="020B0502040204020203" pitchFamily="34" charset="0"/>
+              </a:rPr>
+              <a:t>Демонстрация хостов приложений </a:t>
+            </a:r>
+            <a:r>
+              <a:rPr lang="ru-RU" sz="3200" dirty="0" err="1" smtClean="0">
+                <a:solidFill>
+                  <a:srgbClr val="FF0000"/>
+                </a:solidFill>
+                <a:effectLst>
+                  <a:outerShdw blurRad="38100" dist="38100" dir="2700000" algn="tl">
+                    <a:srgbClr val="000000">
+                      <a:alpha val="43137"/>
+                    </a:srgbClr>
+                  </a:outerShdw>
+                </a:effectLst>
+                <a:latin typeface="Bahnschrift Light SemiCondensed" panose="020B0502040204020203" pitchFamily="34" charset="0"/>
+              </a:rPr>
+              <a:t>микрофронтенда</a:t>
+            </a:r>
+            <a:r>
+              <a:rPr lang="ru-RU" sz="3200" dirty="0" smtClean="0">
+                <a:solidFill>
+                  <a:srgbClr val="FF0000"/>
+                </a:solidFill>
+                <a:effectLst>
+                  <a:outerShdw blurRad="38100" dist="38100" dir="2700000" algn="tl">
+                    <a:srgbClr val="000000">
+                      <a:alpha val="43137"/>
+                    </a:srgbClr>
+                  </a:outerShdw>
+                </a:effectLst>
+                <a:latin typeface="Bahnschrift Light SemiCondensed" panose="020B0502040204020203" pitchFamily="34" charset="0"/>
+              </a:rPr>
+              <a:t>:</a:t>
+            </a:r>
+            <a:endParaRPr lang="ru-RU" sz="3200" dirty="0">
+              <a:solidFill>
+                <a:srgbClr val="FF0000"/>
+              </a:solidFill>
+              <a:effectLst>
+                <a:outerShdw blurRad="38100" dist="38100" dir="2700000" algn="tl">
+                  <a:srgbClr val="000000">
+                    <a:alpha val="43137"/>
+                  </a:srgbClr>
+                </a:outerShdw>
+              </a:effectLst>
+              <a:latin typeface="Bahnschrift Light SemiCondensed" panose="020B0502040204020203" pitchFamily="34" charset="0"/>
+            </a:endParaRPr>
           </a:p>
         </p:txBody>
       </p:sp>
       <p:pic>
         <p:nvPicPr>
-          <p:cNvPr id="2" name="Рисунок 1"/>
+          <p:cNvPr id="4" name="Рисунок 3"/>
           <p:cNvPicPr>
             <a:picLocks noChangeAspect="1"/>
           </p:cNvPicPr>
           <p:nvPr/>
         </p:nvPicPr>
         <p:blipFill>
-          <a:blip r:embed="rId2"/>
+          <a:blip r:embed="rId3"/>
           <a:stretch>
             <a:fillRect/>
           </a:stretch>
         </p:blipFill>
         <p:spPr>
           <a:xfrm>
-            <a:off x="1" y="0"/>
-            <a:ext cx="12191999" cy="6858000"/>
+            <a:off x="5400137" y="2216988"/>
+            <a:ext cx="6254151" cy="3890514"/>
           </a:xfrm>
           <a:prstGeom prst="rect">
             <a:avLst/>
           </a:prstGeom>
         </p:spPr>
       </p:pic>
+      <p:pic>
+        <p:nvPicPr>
+          <p:cNvPr id="8" name="Рисунок 7"/>
+          <p:cNvPicPr>
+            <a:picLocks noChangeAspect="1"/>
+          </p:cNvPicPr>
+          <p:nvPr/>
+        </p:nvPicPr>
+        <p:blipFill>
+          <a:blip r:embed="rId4"/>
+          <a:stretch>
+            <a:fillRect/>
+          </a:stretch>
+        </p:blipFill>
+        <p:spPr>
+          <a:xfrm>
+            <a:off x="558692" y="2216988"/>
+            <a:ext cx="4479133" cy="3890514"/>
+          </a:xfrm>
+          <a:prstGeom prst="rect">
+            <a:avLst/>
+          </a:prstGeom>
+        </p:spPr>
+      </p:pic>
+      <p:sp>
+        <p:nvSpPr>
+          <p:cNvPr id="10" name="TextBox 9"/>
+          <p:cNvSpPr txBox="1"/>
+          <p:nvPr/>
+        </p:nvSpPr>
+        <p:spPr>
+          <a:xfrm>
+            <a:off x="332881" y="1730424"/>
+            <a:ext cx="4868347" cy="646331"/>
+          </a:xfrm>
+          <a:prstGeom prst="rect">
+            <a:avLst/>
+          </a:prstGeom>
+          <a:noFill/>
+        </p:spPr>
+        <p:txBody>
+          <a:bodyPr wrap="square" rtlCol="0">
+            <a:spAutoFit/>
+          </a:bodyPr>
+          <a:lstStyle/>
+          <a:p>
+            <a:pPr algn="ctr"/>
+            <a:r>
+              <a:rPr lang="ru-RU" dirty="0" smtClean="0">
+                <a:solidFill>
+                  <a:srgbClr val="FF0000"/>
+                </a:solidFill>
+                <a:latin typeface="Bahnschrift Light SemiCondensed" panose="020B0502040204020203" pitchFamily="34" charset="0"/>
+              </a:rPr>
+              <a:t>Веб-хост процессора </a:t>
+            </a:r>
+            <a:r>
+              <a:rPr lang="ru-RU" dirty="0" err="1" smtClean="0">
+                <a:solidFill>
+                  <a:srgbClr val="FF0000"/>
+                </a:solidFill>
+                <a:latin typeface="Bahnschrift Light SemiCondensed" panose="020B0502040204020203" pitchFamily="34" charset="0"/>
+              </a:rPr>
+              <a:t>микрофронтендов</a:t>
+            </a:r>
+            <a:endParaRPr lang="ru-RU" dirty="0">
+              <a:solidFill>
+                <a:srgbClr val="FF0000"/>
+              </a:solidFill>
+              <a:latin typeface="Bahnschrift Light SemiCondensed" panose="020B0502040204020203" pitchFamily="34" charset="0"/>
+            </a:endParaRPr>
+          </a:p>
+          <a:p>
+            <a:endParaRPr lang="ru-RU" dirty="0"/>
+          </a:p>
+        </p:txBody>
+      </p:sp>
+      <p:sp>
+        <p:nvSpPr>
+          <p:cNvPr id="11" name="TextBox 10"/>
+          <p:cNvSpPr txBox="1"/>
+          <p:nvPr/>
+        </p:nvSpPr>
+        <p:spPr>
+          <a:xfrm>
+            <a:off x="6093038" y="1730424"/>
+            <a:ext cx="4868347" cy="646331"/>
+          </a:xfrm>
+          <a:prstGeom prst="rect">
+            <a:avLst/>
+          </a:prstGeom>
+          <a:noFill/>
+        </p:spPr>
+        <p:txBody>
+          <a:bodyPr wrap="square" rtlCol="0">
+            <a:spAutoFit/>
+          </a:bodyPr>
+          <a:lstStyle/>
+          <a:p>
+            <a:pPr algn="ctr"/>
+            <a:r>
+              <a:rPr lang="ru-RU" dirty="0" smtClean="0">
+                <a:solidFill>
+                  <a:srgbClr val="FF0000"/>
+                </a:solidFill>
+                <a:latin typeface="Bahnschrift Light SemiCondensed" panose="020B0502040204020203" pitchFamily="34" charset="0"/>
+              </a:rPr>
+              <a:t>Веб-хост одного из </a:t>
+            </a:r>
+            <a:r>
+              <a:rPr lang="ru-RU" dirty="0" err="1" smtClean="0">
+                <a:solidFill>
+                  <a:srgbClr val="FF0000"/>
+                </a:solidFill>
+                <a:latin typeface="Bahnschrift Light SemiCondensed" panose="020B0502040204020203" pitchFamily="34" charset="0"/>
+              </a:rPr>
+              <a:t>микрофронтендов</a:t>
+            </a:r>
+            <a:endParaRPr lang="ru-RU" dirty="0">
+              <a:solidFill>
+                <a:srgbClr val="FF0000"/>
+              </a:solidFill>
+              <a:latin typeface="Bahnschrift Light SemiCondensed" panose="020B0502040204020203" pitchFamily="34" charset="0"/>
+            </a:endParaRPr>
+          </a:p>
+          <a:p>
+            <a:endParaRPr lang="ru-RU" dirty="0"/>
+          </a:p>
+        </p:txBody>
+      </p:sp>
     </p:spTree>
     <p:extLst>
       <p:ext uri="{BB962C8B-B14F-4D97-AF65-F5344CB8AC3E}">

--- a/Презентация.pptx
+++ b/Презентация.pptx
@@ -21,7 +21,8 @@
     <p:sldId id="266" r:id="rId15"/>
     <p:sldId id="265" r:id="rId16"/>
     <p:sldId id="274" r:id="rId17"/>
-    <p:sldId id="275" r:id="rId18"/>
+    <p:sldId id="276" r:id="rId18"/>
+    <p:sldId id="275" r:id="rId19"/>
   </p:sldIdLst>
   <p:sldSz cx="12192000" cy="6858000"/>
   <p:notesSz cx="6858000" cy="9144000"/>
@@ -225,7 +226,6 @@
           </a:p>
         </c:rich>
       </c:tx>
-      <c:layout/>
       <c:overlay val="0"/>
       <c:spPr>
         <a:noFill/>
@@ -449,7 +449,6 @@
               </a:p>
             </c:rich>
           </c:tx>
-          <c:layout/>
           <c:overlay val="0"/>
           <c:spPr>
             <a:noFill/>
@@ -1399,7 +1398,7 @@
           <a:p>
             <a:fld id="{8BE03B8D-FA35-4A53-ABED-ADB8AEF84D40}" type="datetimeFigureOut">
               <a:rPr lang="ru-RU" smtClean="0"/>
-              <a:t>23.03.2020</a:t>
+              <a:t>28.05.2020</a:t>
             </a:fld>
             <a:endParaRPr lang="ru-RU"/>
           </a:p>
@@ -1569,7 +1568,7 @@
           <a:p>
             <a:fld id="{8BE03B8D-FA35-4A53-ABED-ADB8AEF84D40}" type="datetimeFigureOut">
               <a:rPr lang="ru-RU" smtClean="0"/>
-              <a:t>23.03.2020</a:t>
+              <a:t>28.05.2020</a:t>
             </a:fld>
             <a:endParaRPr lang="ru-RU"/>
           </a:p>
@@ -1749,7 +1748,7 @@
           <a:p>
             <a:fld id="{8BE03B8D-FA35-4A53-ABED-ADB8AEF84D40}" type="datetimeFigureOut">
               <a:rPr lang="ru-RU" smtClean="0"/>
-              <a:t>23.03.2020</a:t>
+              <a:t>28.05.2020</a:t>
             </a:fld>
             <a:endParaRPr lang="ru-RU"/>
           </a:p>
@@ -1919,7 +1918,7 @@
           <a:p>
             <a:fld id="{8BE03B8D-FA35-4A53-ABED-ADB8AEF84D40}" type="datetimeFigureOut">
               <a:rPr lang="ru-RU" smtClean="0"/>
-              <a:t>23.03.2020</a:t>
+              <a:t>28.05.2020</a:t>
             </a:fld>
             <a:endParaRPr lang="ru-RU"/>
           </a:p>
@@ -2165,7 +2164,7 @@
           <a:p>
             <a:fld id="{8BE03B8D-FA35-4A53-ABED-ADB8AEF84D40}" type="datetimeFigureOut">
               <a:rPr lang="ru-RU" smtClean="0"/>
-              <a:t>23.03.2020</a:t>
+              <a:t>28.05.2020</a:t>
             </a:fld>
             <a:endParaRPr lang="ru-RU"/>
           </a:p>
@@ -2397,7 +2396,7 @@
           <a:p>
             <a:fld id="{8BE03B8D-FA35-4A53-ABED-ADB8AEF84D40}" type="datetimeFigureOut">
               <a:rPr lang="ru-RU" smtClean="0"/>
-              <a:t>23.03.2020</a:t>
+              <a:t>28.05.2020</a:t>
             </a:fld>
             <a:endParaRPr lang="ru-RU"/>
           </a:p>
@@ -2764,7 +2763,7 @@
           <a:p>
             <a:fld id="{8BE03B8D-FA35-4A53-ABED-ADB8AEF84D40}" type="datetimeFigureOut">
               <a:rPr lang="ru-RU" smtClean="0"/>
-              <a:t>23.03.2020</a:t>
+              <a:t>28.05.2020</a:t>
             </a:fld>
             <a:endParaRPr lang="ru-RU"/>
           </a:p>
@@ -2882,7 +2881,7 @@
           <a:p>
             <a:fld id="{8BE03B8D-FA35-4A53-ABED-ADB8AEF84D40}" type="datetimeFigureOut">
               <a:rPr lang="ru-RU" smtClean="0"/>
-              <a:t>23.03.2020</a:t>
+              <a:t>28.05.2020</a:t>
             </a:fld>
             <a:endParaRPr lang="ru-RU"/>
           </a:p>
@@ -2977,7 +2976,7 @@
           <a:p>
             <a:fld id="{8BE03B8D-FA35-4A53-ABED-ADB8AEF84D40}" type="datetimeFigureOut">
               <a:rPr lang="ru-RU" smtClean="0"/>
-              <a:t>23.03.2020</a:t>
+              <a:t>28.05.2020</a:t>
             </a:fld>
             <a:endParaRPr lang="ru-RU"/>
           </a:p>
@@ -3254,7 +3253,7 @@
           <a:p>
             <a:fld id="{8BE03B8D-FA35-4A53-ABED-ADB8AEF84D40}" type="datetimeFigureOut">
               <a:rPr lang="ru-RU" smtClean="0"/>
-              <a:t>23.03.2020</a:t>
+              <a:t>28.05.2020</a:t>
             </a:fld>
             <a:endParaRPr lang="ru-RU"/>
           </a:p>
@@ -3507,7 +3506,7 @@
           <a:p>
             <a:fld id="{8BE03B8D-FA35-4A53-ABED-ADB8AEF84D40}" type="datetimeFigureOut">
               <a:rPr lang="ru-RU" smtClean="0"/>
-              <a:t>23.03.2020</a:t>
+              <a:t>28.05.2020</a:t>
             </a:fld>
             <a:endParaRPr lang="ru-RU"/>
           </a:p>
@@ -3720,7 +3719,7 @@
           <a:p>
             <a:fld id="{8BE03B8D-FA35-4A53-ABED-ADB8AEF84D40}" type="datetimeFigureOut">
               <a:rPr lang="ru-RU" smtClean="0"/>
-              <a:t>23.03.2020</a:t>
+              <a:t>28.05.2020</a:t>
             </a:fld>
             <a:endParaRPr lang="ru-RU"/>
           </a:p>
@@ -4739,25 +4738,7 @@
                 </a:solidFill>
                 <a:latin typeface="Bahnschrift Light SemiCondensed" panose="020B0502040204020203" pitchFamily="34" charset="0"/>
               </a:rPr>
-              <a:t>Микрофронтенд может иметь </a:t>
-            </a:r>
-            <a:r>
-              <a:rPr lang="ru-RU" dirty="0">
-                <a:solidFill>
-                  <a:srgbClr val="FF0000"/>
-                </a:solidFill>
-                <a:latin typeface="Bahnschrift Light SemiCondensed" panose="020B0502040204020203" pitchFamily="34" charset="0"/>
-              </a:rPr>
-              <a:t>страницы/компоненты</a:t>
-            </a:r>
-            <a:r>
-              <a:rPr lang="ru-RU" dirty="0">
-                <a:solidFill>
-                  <a:srgbClr val="FF0000"/>
-                </a:solidFill>
-                <a:latin typeface="Bahnschrift Light SemiCondensed" panose="020B0502040204020203" pitchFamily="34" charset="0"/>
-              </a:rPr>
-              <a:t>, которые запущены на разных хостах, зарегистрированных в корневом хосте:</a:t>
+              <a:t>Микрофронтенд может иметь страницы/компоненты, которые запущены на разных хостах, зарегистрированных в корневом хосте:</a:t>
             </a:r>
           </a:p>
           <a:p>
@@ -8514,6 +8495,73 @@
           <a:chExt cx="0" cy="0"/>
         </a:xfrm>
       </p:grpSpPr>
+      <p:pic>
+        <p:nvPicPr>
+          <p:cNvPr id="4" name="Рисунок 3"/>
+          <p:cNvPicPr>
+            <a:picLocks noChangeAspect="1"/>
+          </p:cNvPicPr>
+          <p:nvPr/>
+        </p:nvPicPr>
+        <p:blipFill>
+          <a:blip r:embed="rId2" cstate="print">
+            <a:extLst>
+              <a:ext uri="{28A0092B-C50C-407E-A947-70E740481C1C}">
+                <a14:useLocalDpi xmlns:a14="http://schemas.microsoft.com/office/drawing/2010/main" val="0"/>
+              </a:ext>
+            </a:extLst>
+          </a:blip>
+          <a:stretch>
+            <a:fillRect/>
+          </a:stretch>
+        </p:blipFill>
+        <p:spPr>
+          <a:xfrm>
+            <a:off x="3412107" y="517585"/>
+            <a:ext cx="5143500" cy="6340415"/>
+          </a:xfrm>
+          <a:prstGeom prst="rect">
+            <a:avLst/>
+          </a:prstGeom>
+        </p:spPr>
+      </p:pic>
+    </p:spTree>
+    <p:extLst>
+      <p:ext uri="{BB962C8B-B14F-4D97-AF65-F5344CB8AC3E}">
+        <p14:creationId xmlns:p14="http://schemas.microsoft.com/office/powerpoint/2010/main" val="706987597"/>
+      </p:ext>
+    </p:extLst>
+  </p:cSld>
+  <p:clrMapOvr>
+    <a:masterClrMapping/>
+  </p:clrMapOvr>
+  <p:timing>
+    <p:tnLst>
+      <p:par>
+        <p:cTn id="1" dur="indefinite" restart="never" nodeType="tmRoot"/>
+      </p:par>
+    </p:tnLst>
+  </p:timing>
+</p:sld>
+</file>
+
+<file path=ppt/slides/slide17.xml><?xml version="1.0" encoding="utf-8"?>
+<p:sld xmlns:a="http://schemas.openxmlformats.org/drawingml/2006/main" xmlns:r="http://schemas.openxmlformats.org/officeDocument/2006/relationships" xmlns:p="http://schemas.openxmlformats.org/presentationml/2006/main">
+  <p:cSld>
+    <p:spTree>
+      <p:nvGrpSpPr>
+        <p:cNvPr id="1" name=""/>
+        <p:cNvGrpSpPr/>
+        <p:nvPr/>
+      </p:nvGrpSpPr>
+      <p:grpSpPr>
+        <a:xfrm>
+          <a:off x="0" y="0"/>
+          <a:ext cx="0" cy="0"/>
+          <a:chOff x="0" y="0"/>
+          <a:chExt cx="0" cy="0"/>
+        </a:xfrm>
+      </p:grpSpPr>
       <p:sp>
         <p:nvSpPr>
           <p:cNvPr id="2" name="Заголовок 1"/>
@@ -8884,7 +8932,7 @@
     </p:spTree>
     <p:extLst>
       <p:ext uri="{BB962C8B-B14F-4D97-AF65-F5344CB8AC3E}">
-        <p14:creationId xmlns:p14="http://schemas.microsoft.com/office/powerpoint/2010/main" val="706987597"/>
+        <p14:creationId xmlns:p14="http://schemas.microsoft.com/office/powerpoint/2010/main" val="3126115314"/>
       </p:ext>
     </p:extLst>
   </p:cSld>
@@ -8901,7 +8949,7 @@
 </p:sld>
 </file>
 
-<file path=ppt/slides/slide17.xml><?xml version="1.0" encoding="utf-8"?>
+<file path=ppt/slides/slide18.xml><?xml version="1.0" encoding="utf-8"?>
 <p:sld xmlns:a="http://schemas.openxmlformats.org/drawingml/2006/main" xmlns:r="http://schemas.openxmlformats.org/officeDocument/2006/relationships" xmlns:p="http://schemas.openxmlformats.org/presentationml/2006/main">
   <p:cSld>
     <p:spTree>
